--- a/Day 11-12/Slides/11. Playwright Integration with Various Test Frameworks/playwright-integration-with-various-test-frameworks-slides.pptx
+++ b/Day 11-12/Slides/11. Playwright Integration with Various Test Frameworks/playwright-integration-with-various-test-frameworks-slides.pptx
@@ -5,14 +5,21 @@
     <p:sldMasterId id="2147483648" r:id="rId1"/>
   </p:sldMasterIdLst>
   <p:notesMasterIdLst>
-    <p:notesMasterId r:id="rId8"/>
+    <p:notesMasterId r:id="rId15"/>
   </p:notesMasterIdLst>
   <p:sldIdLst>
     <p:sldId id="256" r:id="rId3"/>
-    <p:sldId id="282" r:id="rId4"/>
-    <p:sldId id="268" r:id="rId5"/>
+    <p:sldId id="268" r:id="rId4"/>
+    <p:sldId id="282" r:id="rId5"/>
     <p:sldId id="267" r:id="rId6"/>
     <p:sldId id="278" r:id="rId7"/>
+    <p:sldId id="286" r:id="rId8"/>
+    <p:sldId id="287" r:id="rId9"/>
+    <p:sldId id="288" r:id="rId10"/>
+    <p:sldId id="289" r:id="rId11"/>
+    <p:sldId id="291" r:id="rId12"/>
+    <p:sldId id="290" r:id="rId13"/>
+    <p:sldId id="292" r:id="rId14"/>
   </p:sldIdLst>
   <p:sldSz cx="18288000" cy="10287000"/>
   <p:notesSz cx="18288000" cy="10287000"/>
@@ -2670,7 +2677,7 @@
 </p:sld>
 </file>
 
-<file path=ppt/slides/slide2.xml><?xml version="1.0" encoding="utf-8"?>
+<file path=ppt/slides/slide10.xml><?xml version="1.0" encoding="utf-8"?>
 <p:sld xmlns:a="http://schemas.openxmlformats.org/drawingml/2006/main" xmlns:r="http://schemas.openxmlformats.org/officeDocument/2006/relationships" xmlns:p="http://schemas.openxmlformats.org/presentationml/2006/main">
   <p:cSld>
     <p:spTree>
@@ -2717,8 +2724,8 @@
         </p:nvSpPr>
         <p:spPr>
           <a:xfrm>
-            <a:off x="7315200" y="495300"/>
-            <a:ext cx="10854055" cy="10202545"/>
+            <a:off x="7315200" y="571500"/>
+            <a:ext cx="10854055" cy="9317990"/>
           </a:xfrm>
           <a:prstGeom prst="rect">
             <a:avLst/>
@@ -2739,385 +2746,476 @@
               </a:spcBef>
             </a:pPr>
             <a:r>
-              <a:rPr sz="3600" b="1" spc="55" dirty="0">
+              <a:rPr sz="2800" b="1" spc="55" dirty="0">
                 <a:solidFill>
                   <a:srgbClr val="FF1675"/>
                 </a:solidFill>
                 <a:latin typeface="Arial" panose="020B0604020202020204"/>
                 <a:cs typeface="Arial" panose="020B0604020202020204"/>
               </a:rPr>
-              <a:t> Introduction	</a:t>
-            </a:r>
-            <a:endParaRPr sz="3600" b="1" spc="55" dirty="0">
-              <a:solidFill>
-                <a:srgbClr val="FF1675"/>
-              </a:solidFill>
-              <a:latin typeface="Arial" panose="020B0604020202020204"/>
-              <a:cs typeface="Arial" panose="020B0604020202020204"/>
-            </a:endParaRPr>
-          </a:p>
-          <a:p>
-            <a:pPr marL="12700">
-              <a:lnSpc>
-                <a:spcPct val="100000"/>
-              </a:lnSpc>
-              <a:spcBef>
-                <a:spcPts val="100"/>
-              </a:spcBef>
-            </a:pPr>
-            <a:endParaRPr sz="3600" b="1" spc="55" dirty="0">
-              <a:solidFill>
-                <a:srgbClr val="FF1675"/>
-              </a:solidFill>
-              <a:latin typeface="Arial" panose="020B0604020202020204"/>
-              <a:cs typeface="Arial" panose="020B0604020202020204"/>
-            </a:endParaRPr>
-          </a:p>
-          <a:p>
-            <a:pPr marL="12700">
-              <a:lnSpc>
-                <a:spcPct val="100000"/>
-              </a:lnSpc>
-              <a:spcBef>
-                <a:spcPts val="100"/>
-              </a:spcBef>
-            </a:pPr>
-            <a:r>
-              <a:rPr sz="3600" b="1" spc="55" dirty="0">
+              <a:t>How to Integrate Cucumber With Playwright</a:t>
+            </a:r>
+            <a:endParaRPr sz="2800" b="1" spc="55" dirty="0">
+              <a:solidFill>
+                <a:srgbClr val="FF1675"/>
+              </a:solidFill>
+              <a:latin typeface="Arial" panose="020B0604020202020204"/>
+              <a:cs typeface="Arial" panose="020B0604020202020204"/>
+            </a:endParaRPr>
+          </a:p>
+          <a:p>
+            <a:pPr marL="12700">
+              <a:lnSpc>
+                <a:spcPct val="100000"/>
+              </a:lnSpc>
+              <a:spcBef>
+                <a:spcPts val="100"/>
+              </a:spcBef>
+            </a:pPr>
+            <a:r>
+              <a:rPr sz="2800" b="1" spc="55" dirty="0">
                 <a:solidFill>
                   <a:srgbClr val="FF1675"/>
                 </a:solidFill>
                 <a:latin typeface="Arial" panose="020B0604020202020204"/>
                 <a:cs typeface="Arial" panose="020B0604020202020204"/>
               </a:rPr>
-              <a:t> Installing	</a:t>
-            </a:r>
-            <a:endParaRPr sz="3600" b="1" spc="55" dirty="0">
-              <a:solidFill>
-                <a:srgbClr val="FF1675"/>
-              </a:solidFill>
-              <a:latin typeface="Arial" panose="020B0604020202020204"/>
-              <a:cs typeface="Arial" panose="020B0604020202020204"/>
-            </a:endParaRPr>
-          </a:p>
-          <a:p>
-            <a:pPr marL="12700">
-              <a:lnSpc>
-                <a:spcPct val="100000"/>
-              </a:lnSpc>
-              <a:spcBef>
-                <a:spcPts val="100"/>
-              </a:spcBef>
-            </a:pPr>
-            <a:endParaRPr sz="3600" b="1" spc="55" dirty="0">
-              <a:solidFill>
-                <a:srgbClr val="FF1675"/>
-              </a:solidFill>
-              <a:latin typeface="Arial" panose="020B0604020202020204"/>
-              <a:cs typeface="Arial" panose="020B0604020202020204"/>
-            </a:endParaRPr>
-          </a:p>
-          <a:p>
-            <a:pPr marL="12700">
-              <a:lnSpc>
-                <a:spcPct val="100000"/>
-              </a:lnSpc>
-              <a:spcBef>
-                <a:spcPts val="100"/>
-              </a:spcBef>
-            </a:pPr>
-            <a:r>
-              <a:rPr sz="3600" b="1" spc="55" dirty="0">
+              <a:t>	</a:t>
+            </a:r>
+            <a:endParaRPr sz="2800" b="1" spc="55" dirty="0">
+              <a:solidFill>
+                <a:srgbClr val="FF1675"/>
+              </a:solidFill>
+              <a:latin typeface="Arial" panose="020B0604020202020204"/>
+              <a:cs typeface="Arial" panose="020B0604020202020204"/>
+            </a:endParaRPr>
+          </a:p>
+          <a:p>
+            <a:pPr marL="12700">
+              <a:lnSpc>
+                <a:spcPct val="100000"/>
+              </a:lnSpc>
+              <a:spcBef>
+                <a:spcPts val="100"/>
+              </a:spcBef>
+            </a:pPr>
+            <a:r>
+              <a:rPr sz="2800" b="1" spc="55" dirty="0">
                 <a:solidFill>
                   <a:srgbClr val="FF1675"/>
                 </a:solidFill>
                 <a:latin typeface="Arial" panose="020B0604020202020204"/>
                 <a:cs typeface="Arial" panose="020B0604020202020204"/>
               </a:rPr>
-              <a:t> Adding TypeScript	</a:t>
-            </a:r>
-            <a:endParaRPr sz="3600" b="1" spc="55" dirty="0">
-              <a:solidFill>
-                <a:srgbClr val="FF1675"/>
-              </a:solidFill>
-              <a:latin typeface="Arial" panose="020B0604020202020204"/>
-              <a:cs typeface="Arial" panose="020B0604020202020204"/>
-            </a:endParaRPr>
-          </a:p>
-          <a:p>
-            <a:pPr marL="12700">
-              <a:lnSpc>
-                <a:spcPct val="100000"/>
-              </a:lnSpc>
-              <a:spcBef>
-                <a:spcPts val="100"/>
-              </a:spcBef>
-            </a:pPr>
-            <a:endParaRPr sz="3600" b="1" spc="55" dirty="0">
-              <a:solidFill>
-                <a:srgbClr val="FF1675"/>
-              </a:solidFill>
-              <a:latin typeface="Arial" panose="020B0604020202020204"/>
-              <a:cs typeface="Arial" panose="020B0604020202020204"/>
-            </a:endParaRPr>
-          </a:p>
-          <a:p>
-            <a:pPr marL="12700">
-              <a:lnSpc>
-                <a:spcPct val="100000"/>
-              </a:lnSpc>
-              <a:spcBef>
-                <a:spcPts val="100"/>
-              </a:spcBef>
-            </a:pPr>
-            <a:r>
-              <a:rPr sz="3600" b="1" spc="55" dirty="0">
+              <a:t>Introduction	</a:t>
+            </a:r>
+            <a:endParaRPr sz="2800" b="1" spc="55" dirty="0">
+              <a:solidFill>
+                <a:srgbClr val="FF1675"/>
+              </a:solidFill>
+              <a:latin typeface="Arial" panose="020B0604020202020204"/>
+              <a:cs typeface="Arial" panose="020B0604020202020204"/>
+            </a:endParaRPr>
+          </a:p>
+          <a:p>
+            <a:pPr marL="12700">
+              <a:lnSpc>
+                <a:spcPct val="100000"/>
+              </a:lnSpc>
+              <a:spcBef>
+                <a:spcPts val="100"/>
+              </a:spcBef>
+            </a:pPr>
+            <a:endParaRPr sz="2800" b="1" spc="55" dirty="0">
+              <a:solidFill>
+                <a:srgbClr val="FF1675"/>
+              </a:solidFill>
+              <a:latin typeface="Arial" panose="020B0604020202020204"/>
+              <a:cs typeface="Arial" panose="020B0604020202020204"/>
+            </a:endParaRPr>
+          </a:p>
+          <a:p>
+            <a:pPr marL="12700">
+              <a:lnSpc>
+                <a:spcPct val="100000"/>
+              </a:lnSpc>
+              <a:spcBef>
+                <a:spcPts val="100"/>
+              </a:spcBef>
+            </a:pPr>
+            <a:r>
+              <a:rPr sz="2800" b="1" spc="55" dirty="0">
                 <a:solidFill>
                   <a:srgbClr val="FF1675"/>
                 </a:solidFill>
                 <a:latin typeface="Arial" panose="020B0604020202020204"/>
                 <a:cs typeface="Arial" panose="020B0604020202020204"/>
               </a:rPr>
-              <a:t> Adding Jest	</a:t>
-            </a:r>
-            <a:endParaRPr sz="3600" b="1" spc="55" dirty="0">
-              <a:solidFill>
-                <a:srgbClr val="FF1675"/>
-              </a:solidFill>
-              <a:latin typeface="Arial" panose="020B0604020202020204"/>
-              <a:cs typeface="Arial" panose="020B0604020202020204"/>
-            </a:endParaRPr>
-          </a:p>
-          <a:p>
-            <a:pPr marL="12700">
-              <a:lnSpc>
-                <a:spcPct val="100000"/>
-              </a:lnSpc>
-              <a:spcBef>
-                <a:spcPts val="100"/>
-              </a:spcBef>
-            </a:pPr>
-            <a:endParaRPr sz="3600" b="1" spc="55" dirty="0">
-              <a:solidFill>
-                <a:srgbClr val="FF1675"/>
-              </a:solidFill>
-              <a:latin typeface="Arial" panose="020B0604020202020204"/>
-              <a:cs typeface="Arial" panose="020B0604020202020204"/>
-            </a:endParaRPr>
-          </a:p>
-          <a:p>
-            <a:pPr marL="12700">
-              <a:lnSpc>
-                <a:spcPct val="100000"/>
-              </a:lnSpc>
-              <a:spcBef>
-                <a:spcPts val="100"/>
-              </a:spcBef>
-            </a:pPr>
-            <a:r>
-              <a:rPr sz="3600" b="1" spc="55" dirty="0">
+              <a:t>Create a folder e.g playwright_cucumber	</a:t>
+            </a:r>
+            <a:endParaRPr sz="2800" b="1" spc="55" dirty="0">
+              <a:solidFill>
+                <a:srgbClr val="FF1675"/>
+              </a:solidFill>
+              <a:latin typeface="Arial" panose="020B0604020202020204"/>
+              <a:cs typeface="Arial" panose="020B0604020202020204"/>
+            </a:endParaRPr>
+          </a:p>
+          <a:p>
+            <a:pPr marL="12700">
+              <a:lnSpc>
+                <a:spcPct val="100000"/>
+              </a:lnSpc>
+              <a:spcBef>
+                <a:spcPts val="100"/>
+              </a:spcBef>
+            </a:pPr>
+            <a:endParaRPr sz="2800" b="1" spc="55" dirty="0">
+              <a:solidFill>
+                <a:srgbClr val="FF1675"/>
+              </a:solidFill>
+              <a:latin typeface="Arial" panose="020B0604020202020204"/>
+              <a:cs typeface="Arial" panose="020B0604020202020204"/>
+            </a:endParaRPr>
+          </a:p>
+          <a:p>
+            <a:pPr marL="12700">
+              <a:lnSpc>
+                <a:spcPct val="100000"/>
+              </a:lnSpc>
+              <a:spcBef>
+                <a:spcPts val="100"/>
+              </a:spcBef>
+            </a:pPr>
+            <a:r>
+              <a:rPr sz="2800" b="1" spc="55" dirty="0">
                 <a:solidFill>
                   <a:srgbClr val="FF1675"/>
                 </a:solidFill>
                 <a:latin typeface="Arial" panose="020B0604020202020204"/>
                 <a:cs typeface="Arial" panose="020B0604020202020204"/>
               </a:rPr>
-              <a:t> Writing  simple Playwright tests	</a:t>
-            </a:r>
-            <a:endParaRPr sz="3600" b="1" spc="55" dirty="0">
-              <a:solidFill>
-                <a:srgbClr val="FF1675"/>
-              </a:solidFill>
-              <a:latin typeface="Arial" panose="020B0604020202020204"/>
-              <a:cs typeface="Arial" panose="020B0604020202020204"/>
-            </a:endParaRPr>
-          </a:p>
-          <a:p>
-            <a:pPr marL="12700">
-              <a:lnSpc>
-                <a:spcPct val="100000"/>
-              </a:lnSpc>
-              <a:spcBef>
-                <a:spcPts val="100"/>
-              </a:spcBef>
-            </a:pPr>
-            <a:endParaRPr sz="3600" b="1" spc="55" dirty="0">
-              <a:solidFill>
-                <a:srgbClr val="FF1675"/>
-              </a:solidFill>
-              <a:latin typeface="Arial" panose="020B0604020202020204"/>
-              <a:cs typeface="Arial" panose="020B0604020202020204"/>
-            </a:endParaRPr>
-          </a:p>
-          <a:p>
-            <a:pPr marL="12700">
-              <a:lnSpc>
-                <a:spcPct val="100000"/>
-              </a:lnSpc>
-              <a:spcBef>
-                <a:spcPts val="100"/>
-              </a:spcBef>
-            </a:pPr>
-            <a:r>
-              <a:rPr sz="3600" b="1" spc="55" dirty="0">
+              <a:t>What is Cucumber ?	</a:t>
+            </a:r>
+            <a:endParaRPr sz="2800" b="1" spc="55" dirty="0">
+              <a:solidFill>
+                <a:srgbClr val="FF1675"/>
+              </a:solidFill>
+              <a:latin typeface="Arial" panose="020B0604020202020204"/>
+              <a:cs typeface="Arial" panose="020B0604020202020204"/>
+            </a:endParaRPr>
+          </a:p>
+          <a:p>
+            <a:pPr marL="12700">
+              <a:lnSpc>
+                <a:spcPct val="100000"/>
+              </a:lnSpc>
+              <a:spcBef>
+                <a:spcPts val="100"/>
+              </a:spcBef>
+            </a:pPr>
+            <a:endParaRPr sz="2800" b="1" spc="55" dirty="0">
+              <a:solidFill>
+                <a:srgbClr val="FF1675"/>
+              </a:solidFill>
+              <a:latin typeface="Arial" panose="020B0604020202020204"/>
+              <a:cs typeface="Arial" panose="020B0604020202020204"/>
+            </a:endParaRPr>
+          </a:p>
+          <a:p>
+            <a:pPr marL="12700">
+              <a:lnSpc>
+                <a:spcPct val="100000"/>
+              </a:lnSpc>
+              <a:spcBef>
+                <a:spcPts val="100"/>
+              </a:spcBef>
+            </a:pPr>
+            <a:r>
+              <a:rPr sz="2800" b="1" spc="55" dirty="0">
                 <a:solidFill>
                   <a:srgbClr val="FF1675"/>
                 </a:solidFill>
                 <a:latin typeface="Arial" panose="020B0604020202020204"/>
                 <a:cs typeface="Arial" panose="020B0604020202020204"/>
               </a:rPr>
-              <a:t> Running on all browsers	</a:t>
-            </a:r>
-            <a:endParaRPr sz="3600" b="1" spc="55" dirty="0">
-              <a:solidFill>
-                <a:srgbClr val="FF1675"/>
-              </a:solidFill>
-              <a:latin typeface="Arial" panose="020B0604020202020204"/>
-              <a:cs typeface="Arial" panose="020B0604020202020204"/>
-            </a:endParaRPr>
-          </a:p>
-          <a:p>
-            <a:pPr marL="12700">
-              <a:lnSpc>
-                <a:spcPct val="100000"/>
-              </a:lnSpc>
-              <a:spcBef>
-                <a:spcPts val="100"/>
-              </a:spcBef>
-            </a:pPr>
-            <a:endParaRPr sz="3600" b="1" spc="55" dirty="0">
-              <a:solidFill>
-                <a:srgbClr val="FF1675"/>
-              </a:solidFill>
-              <a:latin typeface="Arial" panose="020B0604020202020204"/>
-              <a:cs typeface="Arial" panose="020B0604020202020204"/>
-            </a:endParaRPr>
-          </a:p>
-          <a:p>
-            <a:pPr marL="12700">
-              <a:lnSpc>
-                <a:spcPct val="100000"/>
-              </a:lnSpc>
-              <a:spcBef>
-                <a:spcPts val="100"/>
-              </a:spcBef>
-            </a:pPr>
-            <a:r>
-              <a:rPr sz="3600" b="1" spc="55" dirty="0">
+              <a:t>Set up Cucumber With Playwright</a:t>
+            </a:r>
+            <a:endParaRPr sz="2800" b="1" spc="55" dirty="0">
+              <a:solidFill>
+                <a:srgbClr val="FF1675"/>
+              </a:solidFill>
+              <a:latin typeface="Arial" panose="020B0604020202020204"/>
+              <a:cs typeface="Arial" panose="020B0604020202020204"/>
+            </a:endParaRPr>
+          </a:p>
+          <a:p>
+            <a:pPr marL="12700">
+              <a:lnSpc>
+                <a:spcPct val="100000"/>
+              </a:lnSpc>
+              <a:spcBef>
+                <a:spcPts val="100"/>
+              </a:spcBef>
+            </a:pPr>
+            <a:r>
+              <a:rPr sz="2800" b="1" spc="55" dirty="0">
                 <a:solidFill>
                   <a:srgbClr val="FF1675"/>
                 </a:solidFill>
                 <a:latin typeface="Arial" panose="020B0604020202020204"/>
                 <a:cs typeface="Arial" panose="020B0604020202020204"/>
               </a:rPr>
-              <a:t> Adding globalTypes.ts	</a:t>
-            </a:r>
-            <a:endParaRPr sz="3600" b="1" spc="55" dirty="0">
-              <a:solidFill>
-                <a:srgbClr val="FF1675"/>
-              </a:solidFill>
-              <a:latin typeface="Arial" panose="020B0604020202020204"/>
-              <a:cs typeface="Arial" panose="020B0604020202020204"/>
-            </a:endParaRPr>
-          </a:p>
-          <a:p>
-            <a:pPr marL="12700">
-              <a:lnSpc>
-                <a:spcPct val="100000"/>
-              </a:lnSpc>
-              <a:spcBef>
-                <a:spcPts val="100"/>
-              </a:spcBef>
-            </a:pPr>
-            <a:endParaRPr sz="3600" b="1" spc="55" dirty="0">
-              <a:solidFill>
-                <a:srgbClr val="FF1675"/>
-              </a:solidFill>
-              <a:latin typeface="Arial" panose="020B0604020202020204"/>
-              <a:cs typeface="Arial" panose="020B0604020202020204"/>
-            </a:endParaRPr>
-          </a:p>
-          <a:p>
-            <a:pPr marL="12700">
-              <a:lnSpc>
-                <a:spcPct val="100000"/>
-              </a:lnSpc>
-              <a:spcBef>
-                <a:spcPts val="100"/>
-              </a:spcBef>
-            </a:pPr>
-            <a:r>
-              <a:rPr sz="3600" b="1" spc="55" dirty="0">
+              <a:t>	</a:t>
+            </a:r>
+            <a:endParaRPr sz="2800" b="1" spc="55" dirty="0">
+              <a:solidFill>
+                <a:srgbClr val="FF1675"/>
+              </a:solidFill>
+              <a:latin typeface="Arial" panose="020B0604020202020204"/>
+              <a:cs typeface="Arial" panose="020B0604020202020204"/>
+            </a:endParaRPr>
+          </a:p>
+          <a:p>
+            <a:pPr marL="12700">
+              <a:lnSpc>
+                <a:spcPct val="100000"/>
+              </a:lnSpc>
+              <a:spcBef>
+                <a:spcPts val="100"/>
+              </a:spcBef>
+            </a:pPr>
+            <a:r>
+              <a:rPr sz="2800" b="1" spc="55" dirty="0">
                 <a:solidFill>
                   <a:srgbClr val="FF1675"/>
                 </a:solidFill>
                 <a:latin typeface="Arial" panose="020B0604020202020204"/>
                 <a:cs typeface="Arial" panose="020B0604020202020204"/>
               </a:rPr>
-              <a:t> Debugging our test	</a:t>
-            </a:r>
-            <a:endParaRPr sz="3600" b="1" spc="55" dirty="0">
-              <a:solidFill>
-                <a:srgbClr val="FF1675"/>
-              </a:solidFill>
-              <a:latin typeface="Arial" panose="020B0604020202020204"/>
-              <a:cs typeface="Arial" panose="020B0604020202020204"/>
-            </a:endParaRPr>
-          </a:p>
-          <a:p>
-            <a:pPr marL="12700">
-              <a:lnSpc>
-                <a:spcPct val="100000"/>
-              </a:lnSpc>
-              <a:spcBef>
-                <a:spcPts val="100"/>
-              </a:spcBef>
-            </a:pPr>
-            <a:endParaRPr sz="3600" b="1" spc="55" dirty="0">
-              <a:solidFill>
-                <a:srgbClr val="FF1675"/>
-              </a:solidFill>
-              <a:latin typeface="Arial" panose="020B0604020202020204"/>
-              <a:cs typeface="Arial" panose="020B0604020202020204"/>
-            </a:endParaRPr>
-          </a:p>
-          <a:p>
-            <a:pPr marL="12700">
-              <a:lnSpc>
-                <a:spcPct val="100000"/>
-              </a:lnSpc>
-              <a:spcBef>
-                <a:spcPts val="100"/>
-              </a:spcBef>
-            </a:pPr>
-            <a:r>
-              <a:rPr sz="3600" b="1" spc="55" dirty="0">
+              <a:t>Create feature file	</a:t>
+            </a:r>
+            <a:endParaRPr sz="2800" b="1" spc="55" dirty="0">
+              <a:solidFill>
+                <a:srgbClr val="FF1675"/>
+              </a:solidFill>
+              <a:latin typeface="Arial" panose="020B0604020202020204"/>
+              <a:cs typeface="Arial" panose="020B0604020202020204"/>
+            </a:endParaRPr>
+          </a:p>
+          <a:p>
+            <a:pPr marL="12700">
+              <a:lnSpc>
+                <a:spcPct val="100000"/>
+              </a:lnSpc>
+              <a:spcBef>
+                <a:spcPts val="100"/>
+              </a:spcBef>
+            </a:pPr>
+            <a:endParaRPr sz="2800" b="1" spc="55" dirty="0">
+              <a:solidFill>
+                <a:srgbClr val="FF1675"/>
+              </a:solidFill>
+              <a:latin typeface="Arial" panose="020B0604020202020204"/>
+              <a:cs typeface="Arial" panose="020B0604020202020204"/>
+            </a:endParaRPr>
+          </a:p>
+          <a:p>
+            <a:pPr marL="12700">
+              <a:lnSpc>
+                <a:spcPct val="100000"/>
+              </a:lnSpc>
+              <a:spcBef>
+                <a:spcPts val="100"/>
+              </a:spcBef>
+            </a:pPr>
+            <a:r>
+              <a:rPr sz="2800" b="1" spc="55" dirty="0">
                 <a:solidFill>
                   <a:srgbClr val="FF1675"/>
                 </a:solidFill>
                 <a:latin typeface="Arial" panose="020B0604020202020204"/>
                 <a:cs typeface="Arial" panose="020B0604020202020204"/>
               </a:rPr>
-              <a:t> Summary </a:t>
-            </a:r>
-            <a:endParaRPr sz="3600" b="1" spc="55" dirty="0">
-              <a:solidFill>
-                <a:srgbClr val="FF1675"/>
-              </a:solidFill>
-              <a:latin typeface="Arial" panose="020B0604020202020204"/>
-              <a:cs typeface="Arial" panose="020B0604020202020204"/>
-            </a:endParaRPr>
-          </a:p>
-          <a:p>
-            <a:pPr marL="12700">
-              <a:lnSpc>
-                <a:spcPct val="100000"/>
-              </a:lnSpc>
-              <a:spcBef>
-                <a:spcPts val="100"/>
-              </a:spcBef>
-            </a:pPr>
-            <a:endParaRPr lang="en-US" sz="3600" b="1" spc="-30" dirty="0">
+              <a:t>Create a runner file	</a:t>
+            </a:r>
+            <a:endParaRPr sz="2800" b="1" spc="55" dirty="0">
+              <a:solidFill>
+                <a:srgbClr val="FF1675"/>
+              </a:solidFill>
+              <a:latin typeface="Arial" panose="020B0604020202020204"/>
+              <a:cs typeface="Arial" panose="020B0604020202020204"/>
+            </a:endParaRPr>
+          </a:p>
+          <a:p>
+            <a:pPr marL="12700">
+              <a:lnSpc>
+                <a:spcPct val="100000"/>
+              </a:lnSpc>
+              <a:spcBef>
+                <a:spcPts val="100"/>
+              </a:spcBef>
+            </a:pPr>
+            <a:endParaRPr sz="2800" b="1" spc="55" dirty="0">
+              <a:solidFill>
+                <a:srgbClr val="FF1675"/>
+              </a:solidFill>
+              <a:latin typeface="Arial" panose="020B0604020202020204"/>
+              <a:cs typeface="Arial" panose="020B0604020202020204"/>
+            </a:endParaRPr>
+          </a:p>
+          <a:p>
+            <a:pPr marL="12700">
+              <a:lnSpc>
+                <a:spcPct val="100000"/>
+              </a:lnSpc>
+              <a:spcBef>
+                <a:spcPts val="100"/>
+              </a:spcBef>
+            </a:pPr>
+            <a:r>
+              <a:rPr sz="2800" b="1" spc="55" dirty="0">
+                <a:solidFill>
+                  <a:srgbClr val="FF1675"/>
+                </a:solidFill>
+                <a:latin typeface="Arial" panose="020B0604020202020204"/>
+                <a:cs typeface="Arial" panose="020B0604020202020204"/>
+              </a:rPr>
+              <a:t>Script for npm test	</a:t>
+            </a:r>
+            <a:endParaRPr sz="2800" b="1" spc="55" dirty="0">
+              <a:solidFill>
+                <a:srgbClr val="FF1675"/>
+              </a:solidFill>
+              <a:latin typeface="Arial" panose="020B0604020202020204"/>
+              <a:cs typeface="Arial" panose="020B0604020202020204"/>
+            </a:endParaRPr>
+          </a:p>
+          <a:p>
+            <a:pPr marL="12700">
+              <a:lnSpc>
+                <a:spcPct val="100000"/>
+              </a:lnSpc>
+              <a:spcBef>
+                <a:spcPts val="100"/>
+              </a:spcBef>
+            </a:pPr>
+            <a:endParaRPr sz="2800" b="1" spc="55" dirty="0">
+              <a:solidFill>
+                <a:srgbClr val="FF1675"/>
+              </a:solidFill>
+              <a:latin typeface="Arial" panose="020B0604020202020204"/>
+              <a:cs typeface="Arial" panose="020B0604020202020204"/>
+            </a:endParaRPr>
+          </a:p>
+          <a:p>
+            <a:pPr marL="12700">
+              <a:lnSpc>
+                <a:spcPct val="100000"/>
+              </a:lnSpc>
+              <a:spcBef>
+                <a:spcPts val="100"/>
+              </a:spcBef>
+            </a:pPr>
+            <a:r>
+              <a:rPr sz="2800" b="1" spc="55" dirty="0">
+                <a:solidFill>
+                  <a:srgbClr val="FF1675"/>
+                </a:solidFill>
+                <a:latin typeface="Arial" panose="020B0604020202020204"/>
+                <a:cs typeface="Arial" panose="020B0604020202020204"/>
+              </a:rPr>
+              <a:t>First test run</a:t>
+            </a:r>
+            <a:endParaRPr sz="2800" b="1" spc="55" dirty="0">
+              <a:solidFill>
+                <a:srgbClr val="FF1675"/>
+              </a:solidFill>
+              <a:latin typeface="Arial" panose="020B0604020202020204"/>
+              <a:cs typeface="Arial" panose="020B0604020202020204"/>
+            </a:endParaRPr>
+          </a:p>
+          <a:p>
+            <a:pPr marL="12700">
+              <a:lnSpc>
+                <a:spcPct val="100000"/>
+              </a:lnSpc>
+              <a:spcBef>
+                <a:spcPts val="100"/>
+              </a:spcBef>
+            </a:pPr>
+            <a:endParaRPr sz="2800" b="1" spc="55" dirty="0">
+              <a:solidFill>
+                <a:srgbClr val="FF1675"/>
+              </a:solidFill>
+              <a:latin typeface="Arial" panose="020B0604020202020204"/>
+              <a:cs typeface="Arial" panose="020B0604020202020204"/>
+            </a:endParaRPr>
+          </a:p>
+          <a:p>
+            <a:pPr marL="12700">
+              <a:lnSpc>
+                <a:spcPct val="100000"/>
+              </a:lnSpc>
+              <a:spcBef>
+                <a:spcPts val="100"/>
+              </a:spcBef>
+            </a:pPr>
+            <a:r>
+              <a:rPr sz="2800" b="1" spc="55" dirty="0">
+                <a:solidFill>
+                  <a:srgbClr val="FF1675"/>
+                </a:solidFill>
+                <a:latin typeface="Arial" panose="020B0604020202020204"/>
+                <a:cs typeface="Arial" panose="020B0604020202020204"/>
+              </a:rPr>
+              <a:t>Create Step definition	</a:t>
+            </a:r>
+            <a:endParaRPr sz="2800" b="1" spc="55" dirty="0">
+              <a:solidFill>
+                <a:srgbClr val="FF1675"/>
+              </a:solidFill>
+              <a:latin typeface="Arial" panose="020B0604020202020204"/>
+              <a:cs typeface="Arial" panose="020B0604020202020204"/>
+            </a:endParaRPr>
+          </a:p>
+          <a:p>
+            <a:pPr marL="12700">
+              <a:lnSpc>
+                <a:spcPct val="100000"/>
+              </a:lnSpc>
+              <a:spcBef>
+                <a:spcPts val="100"/>
+              </a:spcBef>
+            </a:pPr>
+            <a:endParaRPr sz="2800" b="1" spc="55" dirty="0">
+              <a:solidFill>
+                <a:srgbClr val="FF1675"/>
+              </a:solidFill>
+              <a:latin typeface="Arial" panose="020B0604020202020204"/>
+              <a:cs typeface="Arial" panose="020B0604020202020204"/>
+            </a:endParaRPr>
+          </a:p>
+          <a:p>
+            <a:pPr marL="12700">
+              <a:lnSpc>
+                <a:spcPct val="100000"/>
+              </a:lnSpc>
+              <a:spcBef>
+                <a:spcPts val="100"/>
+              </a:spcBef>
+            </a:pPr>
+            <a:r>
+              <a:rPr sz="2800" b="1" spc="55" dirty="0">
+                <a:solidFill>
+                  <a:srgbClr val="FF1675"/>
+                </a:solidFill>
+                <a:latin typeface="Arial" panose="020B0604020202020204"/>
+                <a:cs typeface="Arial" panose="020B0604020202020204"/>
+              </a:rPr>
+              <a:t>Summary	</a:t>
+            </a:r>
+            <a:endParaRPr sz="2800" b="1" spc="55" dirty="0">
               <a:solidFill>
                 <a:srgbClr val="FF1675"/>
               </a:solidFill>
@@ -3203,7 +3301,212 @@
 </p:sld>
 </file>
 
-<file path=ppt/slides/slide3.xml><?xml version="1.0" encoding="utf-8"?>
+<file path=ppt/slides/slide11.xml><?xml version="1.0" encoding="utf-8"?>
+<p:sld xmlns:a="http://schemas.openxmlformats.org/drawingml/2006/main" xmlns:r="http://schemas.openxmlformats.org/officeDocument/2006/relationships" xmlns:p="http://schemas.openxmlformats.org/presentationml/2006/main">
+  <p:cSld>
+    <p:spTree>
+      <p:nvGrpSpPr>
+        <p:cNvPr id="1" name=""/>
+        <p:cNvGrpSpPr/>
+        <p:nvPr/>
+      </p:nvGrpSpPr>
+      <p:grpSpPr/>
+      <p:sp>
+        <p:nvSpPr>
+          <p:cNvPr id="2" name="Slide Number Placeholder 1"/>
+          <p:cNvSpPr>
+            <a:spLocks noGrp="1"/>
+          </p:cNvSpPr>
+          <p:nvPr>
+            <p:ph type="sldNum" sz="quarter" idx="7"/>
+          </p:nvPr>
+        </p:nvSpPr>
+        <p:spPr/>
+        <p:txBody>
+          <a:bodyPr/>
+          <a:p>
+            <a:fld id="{B6F15528-21DE-4FAA-801E-634DDDAF4B2B}" type="slidenum">
+              <a:rPr/>
+            </a:fld>
+            <a:endParaRPr/>
+          </a:p>
+        </p:txBody>
+      </p:sp>
+      <p:pic>
+        <p:nvPicPr>
+          <p:cNvPr id="3" name="Picture 2"/>
+          <p:cNvPicPr>
+            <a:picLocks noChangeAspect="1"/>
+          </p:cNvPicPr>
+          <p:nvPr/>
+        </p:nvPicPr>
+        <p:blipFill>
+          <a:blip r:embed="rId1"/>
+          <a:stretch>
+            <a:fillRect/>
+          </a:stretch>
+        </p:blipFill>
+        <p:spPr>
+          <a:xfrm>
+            <a:off x="-152400" y="-114300"/>
+            <a:ext cx="18441035" cy="10447020"/>
+          </a:xfrm>
+          <a:prstGeom prst="rect">
+            <a:avLst/>
+          </a:prstGeom>
+        </p:spPr>
+      </p:pic>
+    </p:spTree>
+  </p:cSld>
+  <p:clrMapOvr>
+    <a:masterClrMapping/>
+  </p:clrMapOvr>
+</p:sld>
+</file>
+
+<file path=ppt/slides/slide12.xml><?xml version="1.0" encoding="utf-8"?>
+<p:sld xmlns:a="http://schemas.openxmlformats.org/drawingml/2006/main" xmlns:r="http://schemas.openxmlformats.org/officeDocument/2006/relationships" xmlns:p="http://schemas.openxmlformats.org/presentationml/2006/main">
+  <p:cSld>
+    <p:spTree>
+      <p:nvGrpSpPr>
+        <p:cNvPr id="1" name=""/>
+        <p:cNvGrpSpPr/>
+        <p:nvPr/>
+      </p:nvGrpSpPr>
+      <p:grpSpPr>
+        <a:xfrm>
+          <a:off x="0" y="0"/>
+          <a:ext cx="0" cy="0"/>
+          <a:chOff x="0" y="0"/>
+          <a:chExt cx="0" cy="0"/>
+        </a:xfrm>
+      </p:grpSpPr>
+      <p:pic>
+        <p:nvPicPr>
+          <p:cNvPr id="2" name="object 2"/>
+          <p:cNvPicPr/>
+          <p:nvPr/>
+        </p:nvPicPr>
+        <p:blipFill>
+          <a:blip r:embed="rId1" cstate="print"/>
+          <a:stretch>
+            <a:fillRect/>
+          </a:stretch>
+        </p:blipFill>
+        <p:spPr>
+          <a:xfrm>
+            <a:off x="0" y="0"/>
+            <a:ext cx="6991350" cy="10286999"/>
+          </a:xfrm>
+          <a:prstGeom prst="rect">
+            <a:avLst/>
+          </a:prstGeom>
+        </p:spPr>
+      </p:pic>
+      <p:sp>
+        <p:nvSpPr>
+          <p:cNvPr id="5" name="object 5"/>
+          <p:cNvSpPr txBox="1"/>
+          <p:nvPr/>
+        </p:nvSpPr>
+        <p:spPr>
+          <a:xfrm>
+            <a:off x="2155190" y="2975610"/>
+            <a:ext cx="3616325" cy="704850"/>
+          </a:xfrm>
+          <a:prstGeom prst="rect">
+            <a:avLst/>
+          </a:prstGeom>
+        </p:spPr>
+        <p:txBody>
+          <a:bodyPr vert="horz" wrap="square" lIns="0" tIns="12700" rIns="0" bIns="0" rtlCol="0">
+            <a:spAutoFit/>
+          </a:bodyPr>
+          <a:lstStyle/>
+          <a:p>
+            <a:pPr marL="12700">
+              <a:lnSpc>
+                <a:spcPct val="100000"/>
+              </a:lnSpc>
+              <a:spcBef>
+                <a:spcPts val="100"/>
+              </a:spcBef>
+            </a:pPr>
+            <a:r>
+              <a:rPr lang="en-US" sz="4500" b="1" spc="70" dirty="0">
+                <a:solidFill>
+                  <a:srgbClr val="FFFFFF"/>
+                </a:solidFill>
+                <a:latin typeface="Arial" panose="020B0604020202020204"/>
+                <a:cs typeface="Arial" panose="020B0604020202020204"/>
+              </a:rPr>
+              <a:t>Summary</a:t>
+            </a:r>
+            <a:endParaRPr lang="en-US" sz="4500" b="1" spc="70" dirty="0">
+              <a:solidFill>
+                <a:srgbClr val="FFFFFF"/>
+              </a:solidFill>
+              <a:latin typeface="Arial" panose="020B0604020202020204"/>
+              <a:cs typeface="Arial" panose="020B0604020202020204"/>
+            </a:endParaRPr>
+          </a:p>
+        </p:txBody>
+      </p:sp>
+      <p:sp>
+        <p:nvSpPr>
+          <p:cNvPr id="6" name="Slide Number Placeholder 5"/>
+          <p:cNvSpPr>
+            <a:spLocks noGrp="1"/>
+          </p:cNvSpPr>
+          <p:nvPr>
+            <p:ph type="sldNum" sz="quarter" idx="7"/>
+          </p:nvPr>
+        </p:nvSpPr>
+        <p:spPr/>
+        <p:txBody>
+          <a:bodyPr/>
+          <a:lstStyle/>
+          <a:p>
+            <a:fld id="{B6F15528-21DE-4FAA-801E-634DDDAF4B2B}" type="slidenum">
+              <a:rPr lang="en-IN" smtClean="0"/>
+            </a:fld>
+            <a:endParaRPr lang="en-IN"/>
+          </a:p>
+        </p:txBody>
+      </p:sp>
+      <p:pic>
+        <p:nvPicPr>
+          <p:cNvPr id="4" name="Picture 3"/>
+          <p:cNvPicPr>
+            <a:picLocks noChangeAspect="1"/>
+          </p:cNvPicPr>
+          <p:nvPr/>
+        </p:nvPicPr>
+        <p:blipFill>
+          <a:blip r:embed="rId2"/>
+          <a:stretch>
+            <a:fillRect/>
+          </a:stretch>
+        </p:blipFill>
+        <p:spPr>
+          <a:xfrm>
+            <a:off x="7086600" y="266700"/>
+            <a:ext cx="10955655" cy="9022080"/>
+          </a:xfrm>
+          <a:prstGeom prst="rect">
+            <a:avLst/>
+          </a:prstGeom>
+        </p:spPr>
+      </p:pic>
+    </p:spTree>
+  </p:cSld>
+  <p:clrMapOvr>
+    <a:masterClrMapping/>
+  </p:clrMapOvr>
+</p:sld>
+</file>
+
+<file path=ppt/slides/slide2.xml><?xml version="1.0" encoding="utf-8"?>
 <p:sld xmlns:a="http://schemas.openxmlformats.org/drawingml/2006/main" xmlns:r="http://schemas.openxmlformats.org/officeDocument/2006/relationships" xmlns:p="http://schemas.openxmlformats.org/presentationml/2006/main" showMasterSp="0">
   <p:cSld>
     <p:spTree>
@@ -3269,6 +3572,539 @@
 </p:sld>
 </file>
 
+<file path=ppt/slides/slide3.xml><?xml version="1.0" encoding="utf-8"?>
+<p:sld xmlns:a="http://schemas.openxmlformats.org/drawingml/2006/main" xmlns:r="http://schemas.openxmlformats.org/officeDocument/2006/relationships" xmlns:p="http://schemas.openxmlformats.org/presentationml/2006/main">
+  <p:cSld>
+    <p:spTree>
+      <p:nvGrpSpPr>
+        <p:cNvPr id="1" name=""/>
+        <p:cNvGrpSpPr/>
+        <p:nvPr/>
+      </p:nvGrpSpPr>
+      <p:grpSpPr>
+        <a:xfrm>
+          <a:off x="0" y="0"/>
+          <a:ext cx="0" cy="0"/>
+          <a:chOff x="0" y="0"/>
+          <a:chExt cx="0" cy="0"/>
+        </a:xfrm>
+      </p:grpSpPr>
+      <p:pic>
+        <p:nvPicPr>
+          <p:cNvPr id="3" name="object 3"/>
+          <p:cNvPicPr/>
+          <p:nvPr/>
+        </p:nvPicPr>
+        <p:blipFill>
+          <a:blip r:embed="rId1" cstate="print"/>
+          <a:stretch>
+            <a:fillRect/>
+          </a:stretch>
+        </p:blipFill>
+        <p:spPr>
+          <a:xfrm>
+            <a:off x="0" y="0"/>
+            <a:ext cx="6991350" cy="10286999"/>
+          </a:xfrm>
+          <a:prstGeom prst="rect">
+            <a:avLst/>
+          </a:prstGeom>
+        </p:spPr>
+      </p:pic>
+      <p:sp>
+        <p:nvSpPr>
+          <p:cNvPr id="4" name="object 4"/>
+          <p:cNvSpPr txBox="1"/>
+          <p:nvPr/>
+        </p:nvSpPr>
+        <p:spPr>
+          <a:xfrm>
+            <a:off x="7315200" y="38100"/>
+            <a:ext cx="10854055" cy="10202545"/>
+          </a:xfrm>
+          <a:prstGeom prst="rect">
+            <a:avLst/>
+          </a:prstGeom>
+        </p:spPr>
+        <p:txBody>
+          <a:bodyPr vert="horz" wrap="square" lIns="0" tIns="12700" rIns="0" bIns="0" rtlCol="0">
+            <a:spAutoFit/>
+          </a:bodyPr>
+          <a:lstStyle/>
+          <a:p>
+            <a:pPr marL="12700">
+              <a:lnSpc>
+                <a:spcPct val="100000"/>
+              </a:lnSpc>
+              <a:spcBef>
+                <a:spcPts val="100"/>
+              </a:spcBef>
+            </a:pPr>
+            <a:r>
+              <a:rPr sz="3600" b="1" spc="55" dirty="0">
+                <a:solidFill>
+                  <a:srgbClr val="FF1675"/>
+                </a:solidFill>
+                <a:latin typeface="Arial" panose="020B0604020202020204"/>
+                <a:cs typeface="Arial" panose="020B0604020202020204"/>
+              </a:rPr>
+              <a:t> Introduction	</a:t>
+            </a:r>
+            <a:endParaRPr sz="3600" b="1" spc="55" dirty="0">
+              <a:solidFill>
+                <a:srgbClr val="FF1675"/>
+              </a:solidFill>
+              <a:latin typeface="Arial" panose="020B0604020202020204"/>
+              <a:cs typeface="Arial" panose="020B0604020202020204"/>
+            </a:endParaRPr>
+          </a:p>
+          <a:p>
+            <a:pPr marL="12700">
+              <a:lnSpc>
+                <a:spcPct val="100000"/>
+              </a:lnSpc>
+              <a:spcBef>
+                <a:spcPts val="100"/>
+              </a:spcBef>
+            </a:pPr>
+            <a:endParaRPr sz="3600" b="1" spc="55" dirty="0">
+              <a:solidFill>
+                <a:srgbClr val="FF1675"/>
+              </a:solidFill>
+              <a:latin typeface="Arial" panose="020B0604020202020204"/>
+              <a:cs typeface="Arial" panose="020B0604020202020204"/>
+            </a:endParaRPr>
+          </a:p>
+          <a:p>
+            <a:pPr marL="12700">
+              <a:lnSpc>
+                <a:spcPct val="100000"/>
+              </a:lnSpc>
+              <a:spcBef>
+                <a:spcPts val="100"/>
+              </a:spcBef>
+            </a:pPr>
+            <a:r>
+              <a:rPr sz="3600" b="1" spc="55" dirty="0">
+                <a:solidFill>
+                  <a:srgbClr val="FF1675"/>
+                </a:solidFill>
+                <a:latin typeface="Arial" panose="020B0604020202020204"/>
+                <a:cs typeface="Arial" panose="020B0604020202020204"/>
+              </a:rPr>
+              <a:t> Installing	</a:t>
+            </a:r>
+            <a:endParaRPr sz="3600" b="1" spc="55" dirty="0">
+              <a:solidFill>
+                <a:srgbClr val="FF1675"/>
+              </a:solidFill>
+              <a:latin typeface="Arial" panose="020B0604020202020204"/>
+              <a:cs typeface="Arial" panose="020B0604020202020204"/>
+            </a:endParaRPr>
+          </a:p>
+          <a:p>
+            <a:pPr marL="12700">
+              <a:lnSpc>
+                <a:spcPct val="100000"/>
+              </a:lnSpc>
+              <a:spcBef>
+                <a:spcPts val="100"/>
+              </a:spcBef>
+            </a:pPr>
+            <a:endParaRPr sz="3600" b="1" spc="55" dirty="0">
+              <a:solidFill>
+                <a:srgbClr val="FF1675"/>
+              </a:solidFill>
+              <a:latin typeface="Arial" panose="020B0604020202020204"/>
+              <a:cs typeface="Arial" panose="020B0604020202020204"/>
+            </a:endParaRPr>
+          </a:p>
+          <a:p>
+            <a:pPr marL="12700">
+              <a:lnSpc>
+                <a:spcPct val="100000"/>
+              </a:lnSpc>
+              <a:spcBef>
+                <a:spcPts val="100"/>
+              </a:spcBef>
+            </a:pPr>
+            <a:r>
+              <a:rPr sz="3600" b="1" spc="55" dirty="0">
+                <a:solidFill>
+                  <a:srgbClr val="FF1675"/>
+                </a:solidFill>
+                <a:latin typeface="Arial" panose="020B0604020202020204"/>
+                <a:cs typeface="Arial" panose="020B0604020202020204"/>
+              </a:rPr>
+              <a:t> Adding TypeScript	</a:t>
+            </a:r>
+            <a:endParaRPr sz="3600" b="1" spc="55" dirty="0">
+              <a:solidFill>
+                <a:srgbClr val="FF1675"/>
+              </a:solidFill>
+              <a:latin typeface="Arial" panose="020B0604020202020204"/>
+              <a:cs typeface="Arial" panose="020B0604020202020204"/>
+            </a:endParaRPr>
+          </a:p>
+          <a:p>
+            <a:pPr marL="12700">
+              <a:lnSpc>
+                <a:spcPct val="100000"/>
+              </a:lnSpc>
+              <a:spcBef>
+                <a:spcPts val="100"/>
+              </a:spcBef>
+            </a:pPr>
+            <a:endParaRPr sz="3600" b="1" spc="55" dirty="0">
+              <a:solidFill>
+                <a:srgbClr val="FF1675"/>
+              </a:solidFill>
+              <a:latin typeface="Arial" panose="020B0604020202020204"/>
+              <a:cs typeface="Arial" panose="020B0604020202020204"/>
+            </a:endParaRPr>
+          </a:p>
+          <a:p>
+            <a:pPr marL="12700">
+              <a:lnSpc>
+                <a:spcPct val="100000"/>
+              </a:lnSpc>
+              <a:spcBef>
+                <a:spcPts val="100"/>
+              </a:spcBef>
+            </a:pPr>
+            <a:r>
+              <a:rPr sz="3600" b="1" spc="55" dirty="0">
+                <a:solidFill>
+                  <a:srgbClr val="FF1675"/>
+                </a:solidFill>
+                <a:latin typeface="Arial" panose="020B0604020202020204"/>
+                <a:cs typeface="Arial" panose="020B0604020202020204"/>
+              </a:rPr>
+              <a:t> Adding Jest	</a:t>
+            </a:r>
+            <a:endParaRPr sz="3600" b="1" spc="55" dirty="0">
+              <a:solidFill>
+                <a:srgbClr val="FF1675"/>
+              </a:solidFill>
+              <a:latin typeface="Arial" panose="020B0604020202020204"/>
+              <a:cs typeface="Arial" panose="020B0604020202020204"/>
+            </a:endParaRPr>
+          </a:p>
+          <a:p>
+            <a:pPr marL="12700">
+              <a:lnSpc>
+                <a:spcPct val="100000"/>
+              </a:lnSpc>
+              <a:spcBef>
+                <a:spcPts val="100"/>
+              </a:spcBef>
+            </a:pPr>
+            <a:endParaRPr sz="3600" b="1" spc="55" dirty="0">
+              <a:solidFill>
+                <a:srgbClr val="FF1675"/>
+              </a:solidFill>
+              <a:latin typeface="Arial" panose="020B0604020202020204"/>
+              <a:cs typeface="Arial" panose="020B0604020202020204"/>
+            </a:endParaRPr>
+          </a:p>
+          <a:p>
+            <a:pPr marL="12700">
+              <a:lnSpc>
+                <a:spcPct val="100000"/>
+              </a:lnSpc>
+              <a:spcBef>
+                <a:spcPts val="100"/>
+              </a:spcBef>
+            </a:pPr>
+            <a:r>
+              <a:rPr sz="3600" b="1" spc="55" dirty="0">
+                <a:solidFill>
+                  <a:srgbClr val="FF1675"/>
+                </a:solidFill>
+                <a:latin typeface="Arial" panose="020B0604020202020204"/>
+                <a:cs typeface="Arial" panose="020B0604020202020204"/>
+              </a:rPr>
+              <a:t> Writing  simple Playwright tests	</a:t>
+            </a:r>
+            <a:endParaRPr sz="3600" b="1" spc="55" dirty="0">
+              <a:solidFill>
+                <a:srgbClr val="FF1675"/>
+              </a:solidFill>
+              <a:latin typeface="Arial" panose="020B0604020202020204"/>
+              <a:cs typeface="Arial" panose="020B0604020202020204"/>
+            </a:endParaRPr>
+          </a:p>
+          <a:p>
+            <a:pPr marL="12700">
+              <a:lnSpc>
+                <a:spcPct val="100000"/>
+              </a:lnSpc>
+              <a:spcBef>
+                <a:spcPts val="100"/>
+              </a:spcBef>
+            </a:pPr>
+            <a:endParaRPr sz="3600" b="1" spc="55" dirty="0">
+              <a:solidFill>
+                <a:srgbClr val="FF1675"/>
+              </a:solidFill>
+              <a:latin typeface="Arial" panose="020B0604020202020204"/>
+              <a:cs typeface="Arial" panose="020B0604020202020204"/>
+            </a:endParaRPr>
+          </a:p>
+          <a:p>
+            <a:pPr marL="12700">
+              <a:lnSpc>
+                <a:spcPct val="100000"/>
+              </a:lnSpc>
+              <a:spcBef>
+                <a:spcPts val="100"/>
+              </a:spcBef>
+            </a:pPr>
+            <a:r>
+              <a:rPr sz="3600" b="1" spc="55" dirty="0">
+                <a:solidFill>
+                  <a:srgbClr val="FF1675"/>
+                </a:solidFill>
+                <a:latin typeface="Arial" panose="020B0604020202020204"/>
+                <a:cs typeface="Arial" panose="020B0604020202020204"/>
+              </a:rPr>
+              <a:t> Running on all browsers	</a:t>
+            </a:r>
+            <a:endParaRPr sz="3600" b="1" spc="55" dirty="0">
+              <a:solidFill>
+                <a:srgbClr val="FF1675"/>
+              </a:solidFill>
+              <a:latin typeface="Arial" panose="020B0604020202020204"/>
+              <a:cs typeface="Arial" panose="020B0604020202020204"/>
+            </a:endParaRPr>
+          </a:p>
+          <a:p>
+            <a:pPr marL="12700">
+              <a:lnSpc>
+                <a:spcPct val="100000"/>
+              </a:lnSpc>
+              <a:spcBef>
+                <a:spcPts val="100"/>
+              </a:spcBef>
+            </a:pPr>
+            <a:endParaRPr sz="3600" b="1" spc="55" dirty="0">
+              <a:solidFill>
+                <a:srgbClr val="FF1675"/>
+              </a:solidFill>
+              <a:latin typeface="Arial" panose="020B0604020202020204"/>
+              <a:cs typeface="Arial" panose="020B0604020202020204"/>
+            </a:endParaRPr>
+          </a:p>
+          <a:p>
+            <a:pPr marL="12700">
+              <a:lnSpc>
+                <a:spcPct val="100000"/>
+              </a:lnSpc>
+              <a:spcBef>
+                <a:spcPts val="100"/>
+              </a:spcBef>
+            </a:pPr>
+            <a:r>
+              <a:rPr sz="3600" b="1" spc="55" dirty="0">
+                <a:solidFill>
+                  <a:srgbClr val="FF1675"/>
+                </a:solidFill>
+                <a:latin typeface="Arial" panose="020B0604020202020204"/>
+                <a:cs typeface="Arial" panose="020B0604020202020204"/>
+              </a:rPr>
+              <a:t> Adding globalTypes.ts	</a:t>
+            </a:r>
+            <a:endParaRPr sz="3600" b="1" spc="55" dirty="0">
+              <a:solidFill>
+                <a:srgbClr val="FF1675"/>
+              </a:solidFill>
+              <a:latin typeface="Arial" panose="020B0604020202020204"/>
+              <a:cs typeface="Arial" panose="020B0604020202020204"/>
+            </a:endParaRPr>
+          </a:p>
+          <a:p>
+            <a:pPr marL="12700">
+              <a:lnSpc>
+                <a:spcPct val="100000"/>
+              </a:lnSpc>
+              <a:spcBef>
+                <a:spcPts val="100"/>
+              </a:spcBef>
+            </a:pPr>
+            <a:endParaRPr sz="3600" b="1" spc="55" dirty="0">
+              <a:solidFill>
+                <a:srgbClr val="FF1675"/>
+              </a:solidFill>
+              <a:latin typeface="Arial" panose="020B0604020202020204"/>
+              <a:cs typeface="Arial" panose="020B0604020202020204"/>
+            </a:endParaRPr>
+          </a:p>
+          <a:p>
+            <a:pPr marL="12700">
+              <a:lnSpc>
+                <a:spcPct val="100000"/>
+              </a:lnSpc>
+              <a:spcBef>
+                <a:spcPts val="100"/>
+              </a:spcBef>
+            </a:pPr>
+            <a:r>
+              <a:rPr sz="3600" b="1" spc="55" dirty="0">
+                <a:solidFill>
+                  <a:srgbClr val="FF1675"/>
+                </a:solidFill>
+                <a:latin typeface="Arial" panose="020B0604020202020204"/>
+                <a:cs typeface="Arial" panose="020B0604020202020204"/>
+              </a:rPr>
+              <a:t> Debugging our test	</a:t>
+            </a:r>
+            <a:endParaRPr sz="3600" b="1" spc="55" dirty="0">
+              <a:solidFill>
+                <a:srgbClr val="FF1675"/>
+              </a:solidFill>
+              <a:latin typeface="Arial" panose="020B0604020202020204"/>
+              <a:cs typeface="Arial" panose="020B0604020202020204"/>
+            </a:endParaRPr>
+          </a:p>
+          <a:p>
+            <a:pPr marL="12700">
+              <a:lnSpc>
+                <a:spcPct val="100000"/>
+              </a:lnSpc>
+              <a:spcBef>
+                <a:spcPts val="100"/>
+              </a:spcBef>
+            </a:pPr>
+            <a:endParaRPr sz="3600" b="1" spc="55" dirty="0">
+              <a:solidFill>
+                <a:srgbClr val="FF1675"/>
+              </a:solidFill>
+              <a:latin typeface="Arial" panose="020B0604020202020204"/>
+              <a:cs typeface="Arial" panose="020B0604020202020204"/>
+            </a:endParaRPr>
+          </a:p>
+          <a:p>
+            <a:pPr marL="12700">
+              <a:lnSpc>
+                <a:spcPct val="100000"/>
+              </a:lnSpc>
+              <a:spcBef>
+                <a:spcPts val="100"/>
+              </a:spcBef>
+            </a:pPr>
+            <a:r>
+              <a:rPr sz="3600" b="1" spc="55" dirty="0">
+                <a:solidFill>
+                  <a:srgbClr val="FF1675"/>
+                </a:solidFill>
+                <a:latin typeface="Arial" panose="020B0604020202020204"/>
+                <a:cs typeface="Arial" panose="020B0604020202020204"/>
+              </a:rPr>
+              <a:t> Summary </a:t>
+            </a:r>
+            <a:endParaRPr sz="3600" b="1" spc="55" dirty="0">
+              <a:solidFill>
+                <a:srgbClr val="FF1675"/>
+              </a:solidFill>
+              <a:latin typeface="Arial" panose="020B0604020202020204"/>
+              <a:cs typeface="Arial" panose="020B0604020202020204"/>
+            </a:endParaRPr>
+          </a:p>
+          <a:p>
+            <a:pPr marL="12700">
+              <a:lnSpc>
+                <a:spcPct val="100000"/>
+              </a:lnSpc>
+              <a:spcBef>
+                <a:spcPts val="100"/>
+              </a:spcBef>
+            </a:pPr>
+            <a:endParaRPr lang="en-US" sz="3600" b="1" spc="-30" dirty="0">
+              <a:solidFill>
+                <a:srgbClr val="FF1675"/>
+              </a:solidFill>
+              <a:latin typeface="Arial" panose="020B0604020202020204"/>
+              <a:cs typeface="Arial" panose="020B0604020202020204"/>
+            </a:endParaRPr>
+          </a:p>
+        </p:txBody>
+      </p:sp>
+      <p:sp>
+        <p:nvSpPr>
+          <p:cNvPr id="5" name="object 5"/>
+          <p:cNvSpPr txBox="1"/>
+          <p:nvPr/>
+        </p:nvSpPr>
+        <p:spPr>
+          <a:xfrm>
+            <a:off x="2155029" y="2975864"/>
+            <a:ext cx="2643505" cy="711200"/>
+          </a:xfrm>
+          <a:prstGeom prst="rect">
+            <a:avLst/>
+          </a:prstGeom>
+        </p:spPr>
+        <p:txBody>
+          <a:bodyPr vert="horz" wrap="square" lIns="0" tIns="12700" rIns="0" bIns="0" rtlCol="0">
+            <a:spAutoFit/>
+          </a:bodyPr>
+          <a:lstStyle/>
+          <a:p>
+            <a:pPr marL="12700">
+              <a:lnSpc>
+                <a:spcPct val="100000"/>
+              </a:lnSpc>
+              <a:spcBef>
+                <a:spcPts val="100"/>
+              </a:spcBef>
+            </a:pPr>
+            <a:r>
+              <a:rPr sz="4500" b="1" spc="70" dirty="0">
+                <a:solidFill>
+                  <a:srgbClr val="FFFFFF"/>
+                </a:solidFill>
+                <a:latin typeface="Arial" panose="020B0604020202020204"/>
+                <a:cs typeface="Arial" panose="020B0604020202020204"/>
+              </a:rPr>
+              <a:t>Overview</a:t>
+            </a:r>
+            <a:endParaRPr sz="4500">
+              <a:latin typeface="Arial" panose="020B0604020202020204"/>
+              <a:cs typeface="Arial" panose="020B0604020202020204"/>
+            </a:endParaRPr>
+          </a:p>
+        </p:txBody>
+      </p:sp>
+      <p:sp>
+        <p:nvSpPr>
+          <p:cNvPr id="6" name="Slide Number Placeholder 5"/>
+          <p:cNvSpPr>
+            <a:spLocks noGrp="1"/>
+          </p:cNvSpPr>
+          <p:nvPr>
+            <p:ph type="sldNum" sz="quarter" idx="7"/>
+          </p:nvPr>
+        </p:nvSpPr>
+        <p:spPr/>
+        <p:txBody>
+          <a:bodyPr/>
+          <a:lstStyle/>
+          <a:p>
+            <a:fld id="{B6F15528-21DE-4FAA-801E-634DDDAF4B2B}" type="slidenum">
+              <a:rPr lang="en-IN" smtClean="0"/>
+            </a:fld>
+            <a:endParaRPr lang="en-IN"/>
+          </a:p>
+        </p:txBody>
+      </p:sp>
+    </p:spTree>
+  </p:cSld>
+  <p:clrMapOvr>
+    <a:masterClrMapping/>
+  </p:clrMapOvr>
+</p:sld>
+</file>
+
 <file path=ppt/slides/slide4.xml><?xml version="1.0" encoding="utf-8"?>
 <p:sld xmlns:a="http://schemas.openxmlformats.org/drawingml/2006/main" xmlns:r="http://schemas.openxmlformats.org/officeDocument/2006/relationships" xmlns:p="http://schemas.openxmlformats.org/presentationml/2006/main">
   <p:cSld>
@@ -3388,14 +4224,15 @@
               <a:buChar char="Ø"/>
             </a:pPr>
             <a:r>
-              <a:rPr sz="1600" b="0" i="0">
+              <a:rPr lang="en-US" sz="4000" b="0" i="0">
                 <a:solidFill>
                   <a:srgbClr val="000000"/>
                 </a:solidFill>
-                <a:latin typeface="Open Sans"/>
+                <a:latin typeface="+mj-lt"/>
                 <a:ea typeface="Open Sans"/>
+                <a:cs typeface="+mj-lt"/>
               </a:rPr>
-              <a:t></a:t>
+              <a:t>    </a:t>
             </a:r>
             <a:r>
               <a:rPr sz="4000" b="0" i="0">
@@ -3642,6 +4479,1057 @@
           <a:xfrm>
             <a:off x="6991350" y="1905"/>
             <a:ext cx="10222865" cy="10147935"/>
+          </a:xfrm>
+          <a:prstGeom prst="rect">
+            <a:avLst/>
+          </a:prstGeom>
+        </p:spPr>
+      </p:pic>
+    </p:spTree>
+  </p:cSld>
+  <p:clrMapOvr>
+    <a:masterClrMapping/>
+  </p:clrMapOvr>
+</p:sld>
+</file>
+
+<file path=ppt/slides/slide6.xml><?xml version="1.0" encoding="utf-8"?>
+<p:sld xmlns:a="http://schemas.openxmlformats.org/drawingml/2006/main" xmlns:r="http://schemas.openxmlformats.org/officeDocument/2006/relationships" xmlns:p="http://schemas.openxmlformats.org/presentationml/2006/main">
+  <p:cSld>
+    <p:spTree>
+      <p:nvGrpSpPr>
+        <p:cNvPr id="1" name=""/>
+        <p:cNvGrpSpPr/>
+        <p:nvPr/>
+      </p:nvGrpSpPr>
+      <p:grpSpPr/>
+      <p:sp>
+        <p:nvSpPr>
+          <p:cNvPr id="4" name="Slide Number Placeholder 3"/>
+          <p:cNvSpPr>
+            <a:spLocks noGrp="1"/>
+          </p:cNvSpPr>
+          <p:nvPr>
+            <p:ph type="sldNum" sz="quarter" idx="7"/>
+          </p:nvPr>
+        </p:nvSpPr>
+        <p:spPr>
+          <a:xfrm>
+            <a:off x="13167361" y="9566910"/>
+            <a:ext cx="4206240" cy="276860"/>
+          </a:xfrm>
+        </p:spPr>
+        <p:txBody>
+          <a:bodyPr/>
+          <a:p>
+            <a:fld id="{B6F15528-21DE-4FAA-801E-634DDDAF4B2B}" type="slidenum">
+              <a:rPr/>
+            </a:fld>
+            <a:endParaRPr/>
+          </a:p>
+        </p:txBody>
+      </p:sp>
+      <p:pic>
+        <p:nvPicPr>
+          <p:cNvPr id="5" name="Picture 4"/>
+          <p:cNvPicPr>
+            <a:picLocks noChangeAspect="1"/>
+          </p:cNvPicPr>
+          <p:nvPr/>
+        </p:nvPicPr>
+        <p:blipFill>
+          <a:blip r:embed="rId1"/>
+          <a:stretch>
+            <a:fillRect/>
+          </a:stretch>
+        </p:blipFill>
+        <p:spPr>
+          <a:xfrm>
+            <a:off x="0" y="-38100"/>
+            <a:ext cx="18288635" cy="9492615"/>
+          </a:xfrm>
+          <a:prstGeom prst="rect">
+            <a:avLst/>
+          </a:prstGeom>
+        </p:spPr>
+      </p:pic>
+    </p:spTree>
+  </p:cSld>
+  <p:clrMapOvr>
+    <a:masterClrMapping/>
+  </p:clrMapOvr>
+</p:sld>
+</file>
+
+<file path=ppt/slides/slide7.xml><?xml version="1.0" encoding="utf-8"?>
+<p:sld xmlns:a="http://schemas.openxmlformats.org/drawingml/2006/main" xmlns:r="http://schemas.openxmlformats.org/officeDocument/2006/relationships" xmlns:p="http://schemas.openxmlformats.org/presentationml/2006/main">
+  <p:cSld>
+    <p:spTree>
+      <p:nvGrpSpPr>
+        <p:cNvPr id="1" name=""/>
+        <p:cNvGrpSpPr/>
+        <p:nvPr/>
+      </p:nvGrpSpPr>
+      <p:grpSpPr>
+        <a:xfrm>
+          <a:off x="0" y="0"/>
+          <a:ext cx="0" cy="0"/>
+          <a:chOff x="0" y="0"/>
+          <a:chExt cx="0" cy="0"/>
+        </a:xfrm>
+      </p:grpSpPr>
+      <p:pic>
+        <p:nvPicPr>
+          <p:cNvPr id="3" name="object 3"/>
+          <p:cNvPicPr/>
+          <p:nvPr/>
+        </p:nvPicPr>
+        <p:blipFill>
+          <a:blip r:embed="rId1" cstate="print"/>
+          <a:stretch>
+            <a:fillRect/>
+          </a:stretch>
+        </p:blipFill>
+        <p:spPr>
+          <a:xfrm>
+            <a:off x="0" y="0"/>
+            <a:ext cx="6991350" cy="10286999"/>
+          </a:xfrm>
+          <a:prstGeom prst="rect">
+            <a:avLst/>
+          </a:prstGeom>
+        </p:spPr>
+      </p:pic>
+      <p:sp>
+        <p:nvSpPr>
+          <p:cNvPr id="4" name="object 4"/>
+          <p:cNvSpPr txBox="1"/>
+          <p:nvPr/>
+        </p:nvSpPr>
+        <p:spPr>
+          <a:xfrm>
+            <a:off x="7162800" y="38100"/>
+            <a:ext cx="10854055" cy="10205085"/>
+          </a:xfrm>
+          <a:prstGeom prst="rect">
+            <a:avLst/>
+          </a:prstGeom>
+        </p:spPr>
+        <p:txBody>
+          <a:bodyPr vert="horz" wrap="square" lIns="0" tIns="12700" rIns="0" bIns="0" rtlCol="0">
+            <a:spAutoFit/>
+          </a:bodyPr>
+          <a:lstStyle/>
+          <a:p>
+            <a:pPr marL="12700">
+              <a:lnSpc>
+                <a:spcPct val="100000"/>
+              </a:lnSpc>
+              <a:spcBef>
+                <a:spcPts val="100"/>
+              </a:spcBef>
+            </a:pPr>
+            <a:r>
+              <a:rPr sz="2800" b="1" spc="55" dirty="0">
+                <a:solidFill>
+                  <a:srgbClr val="FF1675"/>
+                </a:solidFill>
+                <a:latin typeface="Arial" panose="020B0604020202020204"/>
+                <a:cs typeface="Arial" panose="020B0604020202020204"/>
+              </a:rPr>
+              <a:t>Introduction	</a:t>
+            </a:r>
+            <a:endParaRPr sz="2800" b="1" spc="55" dirty="0">
+              <a:solidFill>
+                <a:srgbClr val="FF1675"/>
+              </a:solidFill>
+              <a:latin typeface="Arial" panose="020B0604020202020204"/>
+              <a:cs typeface="Arial" panose="020B0604020202020204"/>
+            </a:endParaRPr>
+          </a:p>
+          <a:p>
+            <a:pPr marL="12700">
+              <a:lnSpc>
+                <a:spcPct val="100000"/>
+              </a:lnSpc>
+              <a:spcBef>
+                <a:spcPts val="100"/>
+              </a:spcBef>
+            </a:pPr>
+            <a:endParaRPr sz="2800" b="1" spc="55" dirty="0">
+              <a:solidFill>
+                <a:srgbClr val="FF1675"/>
+              </a:solidFill>
+              <a:latin typeface="Arial" panose="020B0604020202020204"/>
+              <a:cs typeface="Arial" panose="020B0604020202020204"/>
+            </a:endParaRPr>
+          </a:p>
+          <a:p>
+            <a:pPr marL="12700">
+              <a:lnSpc>
+                <a:spcPct val="100000"/>
+              </a:lnSpc>
+              <a:spcBef>
+                <a:spcPts val="100"/>
+              </a:spcBef>
+            </a:pPr>
+            <a:r>
+              <a:rPr lang="en-US" sz="2800" b="1" spc="55" dirty="0">
+                <a:solidFill>
+                  <a:srgbClr val="FF1675"/>
+                </a:solidFill>
+                <a:latin typeface="Arial" panose="020B0604020202020204"/>
+                <a:cs typeface="Arial" panose="020B0604020202020204"/>
+              </a:rPr>
+              <a:t>Initializing a Node.js project</a:t>
+            </a:r>
+            <a:endParaRPr sz="2800" b="1" spc="55" dirty="0">
+              <a:solidFill>
+                <a:srgbClr val="FF1675"/>
+              </a:solidFill>
+              <a:latin typeface="Arial" panose="020B0604020202020204"/>
+              <a:cs typeface="Arial" panose="020B0604020202020204"/>
+            </a:endParaRPr>
+          </a:p>
+          <a:p>
+            <a:pPr marL="12700">
+              <a:lnSpc>
+                <a:spcPct val="100000"/>
+              </a:lnSpc>
+              <a:spcBef>
+                <a:spcPts val="100"/>
+              </a:spcBef>
+            </a:pPr>
+            <a:endParaRPr sz="2800" b="1" spc="55" dirty="0">
+              <a:solidFill>
+                <a:srgbClr val="FF1675"/>
+              </a:solidFill>
+              <a:latin typeface="Arial" panose="020B0604020202020204"/>
+              <a:cs typeface="Arial" panose="020B0604020202020204"/>
+            </a:endParaRPr>
+          </a:p>
+          <a:p>
+            <a:pPr marL="12700">
+              <a:lnSpc>
+                <a:spcPct val="100000"/>
+              </a:lnSpc>
+              <a:spcBef>
+                <a:spcPts val="100"/>
+              </a:spcBef>
+            </a:pPr>
+            <a:r>
+              <a:rPr sz="2800" b="1" spc="55" dirty="0">
+                <a:solidFill>
+                  <a:srgbClr val="FF1675"/>
+                </a:solidFill>
+                <a:latin typeface="Arial" panose="020B0604020202020204"/>
+                <a:cs typeface="Arial" panose="020B0604020202020204"/>
+              </a:rPr>
+              <a:t> Adding </a:t>
+            </a:r>
+            <a:r>
+              <a:rPr lang="en-US" sz="2800" b="1" spc="55" dirty="0">
+                <a:solidFill>
+                  <a:srgbClr val="FF1675"/>
+                </a:solidFill>
+                <a:latin typeface="Arial" panose="020B0604020202020204"/>
+                <a:cs typeface="Arial" panose="020B0604020202020204"/>
+              </a:rPr>
+              <a:t>Playwright</a:t>
+            </a:r>
+            <a:endParaRPr lang="en-US" sz="2800" b="1" spc="55" dirty="0">
+              <a:solidFill>
+                <a:srgbClr val="FF1675"/>
+              </a:solidFill>
+              <a:latin typeface="Arial" panose="020B0604020202020204"/>
+              <a:cs typeface="Arial" panose="020B0604020202020204"/>
+            </a:endParaRPr>
+          </a:p>
+          <a:p>
+            <a:pPr marL="12700">
+              <a:lnSpc>
+                <a:spcPct val="100000"/>
+              </a:lnSpc>
+              <a:spcBef>
+                <a:spcPts val="100"/>
+              </a:spcBef>
+            </a:pPr>
+            <a:endParaRPr lang="en-US" sz="2800" b="1" spc="55" dirty="0">
+              <a:solidFill>
+                <a:srgbClr val="FF1675"/>
+              </a:solidFill>
+              <a:latin typeface="Arial" panose="020B0604020202020204"/>
+              <a:cs typeface="Arial" panose="020B0604020202020204"/>
+            </a:endParaRPr>
+          </a:p>
+          <a:p>
+            <a:pPr marL="12700">
+              <a:lnSpc>
+                <a:spcPct val="100000"/>
+              </a:lnSpc>
+              <a:spcBef>
+                <a:spcPts val="100"/>
+              </a:spcBef>
+            </a:pPr>
+            <a:r>
+              <a:rPr sz="2800" b="1" spc="55" dirty="0">
+                <a:solidFill>
+                  <a:srgbClr val="FF1675"/>
+                </a:solidFill>
+                <a:latin typeface="Arial" panose="020B0604020202020204"/>
+                <a:cs typeface="Arial" panose="020B0604020202020204"/>
+                <a:sym typeface="+mn-ea"/>
+              </a:rPr>
+              <a:t>Adding </a:t>
+            </a:r>
+            <a:r>
+              <a:rPr lang="en-US" sz="2800" b="1" spc="55" dirty="0">
+                <a:solidFill>
+                  <a:srgbClr val="FF1675"/>
+                </a:solidFill>
+                <a:latin typeface="Arial" panose="020B0604020202020204"/>
+                <a:cs typeface="Arial" panose="020B0604020202020204"/>
+                <a:sym typeface="+mn-ea"/>
+              </a:rPr>
+              <a:t>Mocha</a:t>
+            </a:r>
+            <a:r>
+              <a:rPr sz="2800" b="1" spc="55" dirty="0">
+                <a:solidFill>
+                  <a:srgbClr val="FF1675"/>
+                </a:solidFill>
+                <a:latin typeface="Arial" panose="020B0604020202020204"/>
+                <a:cs typeface="Arial" panose="020B0604020202020204"/>
+                <a:sym typeface="+mn-ea"/>
+              </a:rPr>
+              <a:t>	</a:t>
+            </a:r>
+            <a:endParaRPr sz="2800" b="1" spc="55" dirty="0">
+              <a:solidFill>
+                <a:srgbClr val="FF1675"/>
+              </a:solidFill>
+              <a:latin typeface="Arial" panose="020B0604020202020204"/>
+              <a:cs typeface="Arial" panose="020B0604020202020204"/>
+              <a:sym typeface="+mn-ea"/>
+            </a:endParaRPr>
+          </a:p>
+          <a:p>
+            <a:pPr marL="12700">
+              <a:lnSpc>
+                <a:spcPct val="100000"/>
+              </a:lnSpc>
+              <a:spcBef>
+                <a:spcPts val="100"/>
+              </a:spcBef>
+            </a:pPr>
+            <a:endParaRPr sz="2800" b="1" spc="55" dirty="0">
+              <a:solidFill>
+                <a:srgbClr val="FF1675"/>
+              </a:solidFill>
+              <a:latin typeface="Arial" panose="020B0604020202020204"/>
+              <a:cs typeface="Arial" panose="020B0604020202020204"/>
+            </a:endParaRPr>
+          </a:p>
+          <a:p>
+            <a:pPr marL="12700">
+              <a:lnSpc>
+                <a:spcPct val="100000"/>
+              </a:lnSpc>
+              <a:spcBef>
+                <a:spcPts val="100"/>
+              </a:spcBef>
+            </a:pPr>
+            <a:r>
+              <a:rPr sz="2800" b="1" spc="55" dirty="0">
+                <a:solidFill>
+                  <a:srgbClr val="FF1675"/>
+                </a:solidFill>
+                <a:latin typeface="Arial" panose="020B0604020202020204"/>
+                <a:cs typeface="Arial" panose="020B0604020202020204"/>
+                <a:sym typeface="+mn-ea"/>
+              </a:rPr>
+              <a:t>Adding TypeScript	</a:t>
+            </a:r>
+            <a:endParaRPr sz="2800" b="1" spc="55" dirty="0">
+              <a:solidFill>
+                <a:srgbClr val="FF1675"/>
+              </a:solidFill>
+              <a:latin typeface="Arial" panose="020B0604020202020204"/>
+              <a:cs typeface="Arial" panose="020B0604020202020204"/>
+            </a:endParaRPr>
+          </a:p>
+          <a:p>
+            <a:pPr marL="12700">
+              <a:lnSpc>
+                <a:spcPct val="100000"/>
+              </a:lnSpc>
+              <a:spcBef>
+                <a:spcPts val="100"/>
+              </a:spcBef>
+            </a:pPr>
+            <a:endParaRPr sz="2800" b="1" spc="55" dirty="0">
+              <a:solidFill>
+                <a:srgbClr val="FF1675"/>
+              </a:solidFill>
+              <a:latin typeface="Arial" panose="020B0604020202020204"/>
+              <a:cs typeface="Arial" panose="020B0604020202020204"/>
+            </a:endParaRPr>
+          </a:p>
+          <a:p>
+            <a:pPr marL="12700">
+              <a:lnSpc>
+                <a:spcPct val="100000"/>
+              </a:lnSpc>
+              <a:spcBef>
+                <a:spcPts val="100"/>
+              </a:spcBef>
+            </a:pPr>
+            <a:r>
+              <a:rPr lang="en-US" sz="2800" b="1" spc="55" dirty="0">
+                <a:solidFill>
+                  <a:srgbClr val="FF1675"/>
+                </a:solidFill>
+                <a:latin typeface="Arial" panose="020B0604020202020204"/>
+                <a:cs typeface="Arial" panose="020B0604020202020204"/>
+              </a:rPr>
+              <a:t>Adding </a:t>
+            </a:r>
+            <a:r>
+              <a:rPr sz="2800" b="1" spc="55" dirty="0">
+                <a:solidFill>
+                  <a:srgbClr val="FF1675"/>
+                </a:solidFill>
+                <a:latin typeface="Arial" panose="020B0604020202020204"/>
+                <a:cs typeface="Arial" panose="020B0604020202020204"/>
+              </a:rPr>
+              <a:t>@types/node</a:t>
+            </a:r>
+            <a:endParaRPr sz="2800" b="1" spc="55" dirty="0">
+              <a:solidFill>
+                <a:srgbClr val="FF1675"/>
+              </a:solidFill>
+              <a:latin typeface="Arial" panose="020B0604020202020204"/>
+              <a:cs typeface="Arial" panose="020B0604020202020204"/>
+            </a:endParaRPr>
+          </a:p>
+          <a:p>
+            <a:pPr marL="12700">
+              <a:lnSpc>
+                <a:spcPct val="100000"/>
+              </a:lnSpc>
+              <a:spcBef>
+                <a:spcPts val="100"/>
+              </a:spcBef>
+            </a:pPr>
+            <a:endParaRPr sz="2800" b="1" spc="55" dirty="0">
+              <a:solidFill>
+                <a:srgbClr val="FF1675"/>
+              </a:solidFill>
+              <a:latin typeface="Arial" panose="020B0604020202020204"/>
+              <a:cs typeface="Arial" panose="020B0604020202020204"/>
+            </a:endParaRPr>
+          </a:p>
+          <a:p>
+            <a:pPr marL="12700">
+              <a:lnSpc>
+                <a:spcPct val="100000"/>
+              </a:lnSpc>
+              <a:spcBef>
+                <a:spcPts val="100"/>
+              </a:spcBef>
+            </a:pPr>
+            <a:r>
+              <a:rPr sz="2800" b="1" spc="55" dirty="0">
+                <a:solidFill>
+                  <a:srgbClr val="FF1675"/>
+                </a:solidFill>
+                <a:latin typeface="Arial" panose="020B0604020202020204"/>
+                <a:cs typeface="Arial" panose="020B0604020202020204"/>
+              </a:rPr>
+              <a:t>Adding TypeScript Execute (tsx)</a:t>
+            </a:r>
+            <a:endParaRPr sz="2800" b="1" spc="55" dirty="0">
+              <a:solidFill>
+                <a:srgbClr val="FF1675"/>
+              </a:solidFill>
+              <a:latin typeface="Arial" panose="020B0604020202020204"/>
+              <a:cs typeface="Arial" panose="020B0604020202020204"/>
+            </a:endParaRPr>
+          </a:p>
+          <a:p>
+            <a:pPr marL="12700">
+              <a:lnSpc>
+                <a:spcPct val="100000"/>
+              </a:lnSpc>
+              <a:spcBef>
+                <a:spcPts val="100"/>
+              </a:spcBef>
+            </a:pPr>
+            <a:endParaRPr sz="2800" b="1" spc="55" dirty="0">
+              <a:solidFill>
+                <a:srgbClr val="FF1675"/>
+              </a:solidFill>
+              <a:latin typeface="Arial" panose="020B0604020202020204"/>
+              <a:cs typeface="Arial" panose="020B0604020202020204"/>
+            </a:endParaRPr>
+          </a:p>
+          <a:p>
+            <a:pPr marL="12700">
+              <a:lnSpc>
+                <a:spcPct val="100000"/>
+              </a:lnSpc>
+              <a:spcBef>
+                <a:spcPts val="100"/>
+              </a:spcBef>
+            </a:pPr>
+            <a:r>
+              <a:rPr lang="en-US" sz="2800" b="1" spc="55" dirty="0">
+                <a:solidFill>
+                  <a:srgbClr val="FF1675"/>
+                </a:solidFill>
+                <a:latin typeface="Arial" panose="020B0604020202020204"/>
+                <a:cs typeface="Arial" panose="020B0604020202020204"/>
+              </a:rPr>
+              <a:t>C</a:t>
+            </a:r>
+            <a:r>
+              <a:rPr sz="2800" b="1" spc="55" dirty="0">
+                <a:solidFill>
+                  <a:srgbClr val="FF1675"/>
+                </a:solidFill>
+                <a:latin typeface="Arial" panose="020B0604020202020204"/>
+                <a:cs typeface="Arial" panose="020B0604020202020204"/>
+              </a:rPr>
+              <a:t>rea</a:t>
+            </a:r>
+            <a:r>
+              <a:rPr lang="en-US" sz="2800" b="1" spc="55" dirty="0">
+                <a:solidFill>
+                  <a:srgbClr val="FF1675"/>
+                </a:solidFill>
+                <a:latin typeface="Arial" panose="020B0604020202020204"/>
+                <a:cs typeface="Arial" panose="020B0604020202020204"/>
+              </a:rPr>
+              <a:t>ting</a:t>
+            </a:r>
+            <a:r>
+              <a:rPr sz="2800" b="1" spc="55" dirty="0">
+                <a:solidFill>
+                  <a:srgbClr val="FF1675"/>
+                </a:solidFill>
+                <a:latin typeface="Arial" panose="020B0604020202020204"/>
+                <a:cs typeface="Arial" panose="020B0604020202020204"/>
+              </a:rPr>
+              <a:t> a .mocharc.json </a:t>
+            </a:r>
+            <a:endParaRPr sz="2800" b="1" spc="55" dirty="0">
+              <a:solidFill>
+                <a:srgbClr val="FF1675"/>
+              </a:solidFill>
+              <a:latin typeface="Arial" panose="020B0604020202020204"/>
+              <a:cs typeface="Arial" panose="020B0604020202020204"/>
+            </a:endParaRPr>
+          </a:p>
+          <a:p>
+            <a:pPr marL="12700">
+              <a:lnSpc>
+                <a:spcPct val="100000"/>
+              </a:lnSpc>
+              <a:spcBef>
+                <a:spcPts val="100"/>
+              </a:spcBef>
+            </a:pPr>
+            <a:endParaRPr sz="2800" b="1" spc="55" dirty="0">
+              <a:solidFill>
+                <a:srgbClr val="FF1675"/>
+              </a:solidFill>
+              <a:latin typeface="Arial" panose="020B0604020202020204"/>
+              <a:cs typeface="Arial" panose="020B0604020202020204"/>
+            </a:endParaRPr>
+          </a:p>
+          <a:p>
+            <a:pPr marL="12700">
+              <a:lnSpc>
+                <a:spcPct val="100000"/>
+              </a:lnSpc>
+              <a:spcBef>
+                <a:spcPts val="100"/>
+              </a:spcBef>
+            </a:pPr>
+            <a:r>
+              <a:rPr lang="en-US" sz="2800" b="1" spc="55" dirty="0">
+                <a:solidFill>
+                  <a:srgbClr val="FF1675"/>
+                </a:solidFill>
+                <a:latin typeface="Arial" panose="020B0604020202020204"/>
+                <a:cs typeface="Arial" panose="020B0604020202020204"/>
+              </a:rPr>
+              <a:t>Updating test script in package.json</a:t>
+            </a:r>
+            <a:r>
+              <a:rPr sz="2800" b="1" spc="55" dirty="0">
+                <a:solidFill>
+                  <a:srgbClr val="FF1675"/>
+                </a:solidFill>
+                <a:latin typeface="Arial" panose="020B0604020202020204"/>
+                <a:cs typeface="Arial" panose="020B0604020202020204"/>
+              </a:rPr>
+              <a:t>	</a:t>
+            </a:r>
+            <a:endParaRPr sz="2800" b="1" spc="55" dirty="0">
+              <a:solidFill>
+                <a:srgbClr val="FF1675"/>
+              </a:solidFill>
+              <a:latin typeface="Arial" panose="020B0604020202020204"/>
+              <a:cs typeface="Arial" panose="020B0604020202020204"/>
+            </a:endParaRPr>
+          </a:p>
+          <a:p>
+            <a:pPr marL="12700">
+              <a:lnSpc>
+                <a:spcPct val="100000"/>
+              </a:lnSpc>
+              <a:spcBef>
+                <a:spcPts val="100"/>
+              </a:spcBef>
+            </a:pPr>
+            <a:endParaRPr sz="2800" b="1" spc="55" dirty="0">
+              <a:solidFill>
+                <a:srgbClr val="FF1675"/>
+              </a:solidFill>
+              <a:latin typeface="Arial" panose="020B0604020202020204"/>
+              <a:cs typeface="Arial" panose="020B0604020202020204"/>
+            </a:endParaRPr>
+          </a:p>
+          <a:p>
+            <a:pPr marL="12700">
+              <a:lnSpc>
+                <a:spcPct val="100000"/>
+              </a:lnSpc>
+              <a:spcBef>
+                <a:spcPts val="100"/>
+              </a:spcBef>
+            </a:pPr>
+            <a:r>
+              <a:rPr sz="2800" b="1" spc="55" dirty="0">
+                <a:solidFill>
+                  <a:srgbClr val="FF1675"/>
+                </a:solidFill>
+                <a:latin typeface="Arial" panose="020B0604020202020204"/>
+                <a:cs typeface="Arial" panose="020B0604020202020204"/>
+              </a:rPr>
+              <a:t>Writing  </a:t>
+            </a:r>
+            <a:r>
+              <a:rPr lang="en-US" sz="2800" b="1" spc="55" dirty="0">
+                <a:solidFill>
+                  <a:srgbClr val="FF1675"/>
+                </a:solidFill>
+                <a:latin typeface="Arial" panose="020B0604020202020204"/>
+                <a:cs typeface="Arial" panose="020B0604020202020204"/>
+              </a:rPr>
+              <a:t>a </a:t>
+            </a:r>
+            <a:r>
+              <a:rPr sz="2800" b="1" spc="55" dirty="0">
+                <a:solidFill>
+                  <a:srgbClr val="FF1675"/>
+                </a:solidFill>
+                <a:latin typeface="Arial" panose="020B0604020202020204"/>
+                <a:cs typeface="Arial" panose="020B0604020202020204"/>
+              </a:rPr>
+              <a:t>simple Playwright test	</a:t>
+            </a:r>
+            <a:endParaRPr sz="2800" b="1" spc="55" dirty="0">
+              <a:solidFill>
+                <a:srgbClr val="FF1675"/>
+              </a:solidFill>
+              <a:latin typeface="Arial" panose="020B0604020202020204"/>
+              <a:cs typeface="Arial" panose="020B0604020202020204"/>
+            </a:endParaRPr>
+          </a:p>
+          <a:p>
+            <a:pPr marL="12700">
+              <a:lnSpc>
+                <a:spcPct val="100000"/>
+              </a:lnSpc>
+              <a:spcBef>
+                <a:spcPts val="100"/>
+              </a:spcBef>
+            </a:pPr>
+            <a:endParaRPr sz="2800" b="1" spc="55" dirty="0">
+              <a:solidFill>
+                <a:srgbClr val="FF1675"/>
+              </a:solidFill>
+              <a:latin typeface="Arial" panose="020B0604020202020204"/>
+              <a:cs typeface="Arial" panose="020B0604020202020204"/>
+            </a:endParaRPr>
+          </a:p>
+          <a:p>
+            <a:pPr marL="12700">
+              <a:lnSpc>
+                <a:spcPct val="100000"/>
+              </a:lnSpc>
+              <a:spcBef>
+                <a:spcPts val="100"/>
+              </a:spcBef>
+            </a:pPr>
+            <a:r>
+              <a:rPr sz="2800" b="1" spc="55" dirty="0">
+                <a:solidFill>
+                  <a:srgbClr val="FF1675"/>
+                </a:solidFill>
+                <a:latin typeface="Arial" panose="020B0604020202020204"/>
+                <a:cs typeface="Arial" panose="020B0604020202020204"/>
+              </a:rPr>
+              <a:t>Running </a:t>
+            </a:r>
+            <a:r>
+              <a:rPr lang="en-US" sz="2800" b="1" spc="55" dirty="0">
+                <a:solidFill>
+                  <a:srgbClr val="FF1675"/>
+                </a:solidFill>
+                <a:latin typeface="Arial" panose="020B0604020202020204"/>
+                <a:cs typeface="Arial" panose="020B0604020202020204"/>
+              </a:rPr>
+              <a:t>your test</a:t>
+            </a:r>
+            <a:r>
+              <a:rPr sz="2800" b="1" spc="55" dirty="0">
+                <a:solidFill>
+                  <a:srgbClr val="FF1675"/>
+                </a:solidFill>
+                <a:latin typeface="Arial" panose="020B0604020202020204"/>
+                <a:cs typeface="Arial" panose="020B0604020202020204"/>
+              </a:rPr>
+              <a:t>	</a:t>
+            </a:r>
+            <a:endParaRPr sz="2800" b="1" spc="55" dirty="0">
+              <a:solidFill>
+                <a:srgbClr val="FF1675"/>
+              </a:solidFill>
+              <a:latin typeface="Arial" panose="020B0604020202020204"/>
+              <a:cs typeface="Arial" panose="020B0604020202020204"/>
+            </a:endParaRPr>
+          </a:p>
+          <a:p>
+            <a:pPr marL="12700">
+              <a:lnSpc>
+                <a:spcPct val="100000"/>
+              </a:lnSpc>
+              <a:spcBef>
+                <a:spcPts val="100"/>
+              </a:spcBef>
+            </a:pPr>
+            <a:endParaRPr sz="2800" b="1" spc="55" dirty="0">
+              <a:solidFill>
+                <a:srgbClr val="FF1675"/>
+              </a:solidFill>
+              <a:latin typeface="Arial" panose="020B0604020202020204"/>
+              <a:cs typeface="Arial" panose="020B0604020202020204"/>
+            </a:endParaRPr>
+          </a:p>
+          <a:p>
+            <a:pPr marL="12700">
+              <a:lnSpc>
+                <a:spcPct val="100000"/>
+              </a:lnSpc>
+              <a:spcBef>
+                <a:spcPts val="100"/>
+              </a:spcBef>
+            </a:pPr>
+            <a:r>
+              <a:rPr sz="2800" b="1" spc="55" dirty="0">
+                <a:solidFill>
+                  <a:srgbClr val="FF1675"/>
+                </a:solidFill>
+                <a:latin typeface="Arial" panose="020B0604020202020204"/>
+                <a:cs typeface="Arial" panose="020B0604020202020204"/>
+              </a:rPr>
+              <a:t>Summary </a:t>
+            </a:r>
+            <a:endParaRPr lang="en-US" sz="2800" b="1" spc="-30" dirty="0">
+              <a:solidFill>
+                <a:srgbClr val="FF1675"/>
+              </a:solidFill>
+              <a:latin typeface="Arial" panose="020B0604020202020204"/>
+              <a:cs typeface="Arial" panose="020B0604020202020204"/>
+            </a:endParaRPr>
+          </a:p>
+        </p:txBody>
+      </p:sp>
+      <p:sp>
+        <p:nvSpPr>
+          <p:cNvPr id="5" name="object 5"/>
+          <p:cNvSpPr txBox="1"/>
+          <p:nvPr/>
+        </p:nvSpPr>
+        <p:spPr>
+          <a:xfrm>
+            <a:off x="2155029" y="2975864"/>
+            <a:ext cx="2643505" cy="711200"/>
+          </a:xfrm>
+          <a:prstGeom prst="rect">
+            <a:avLst/>
+          </a:prstGeom>
+        </p:spPr>
+        <p:txBody>
+          <a:bodyPr vert="horz" wrap="square" lIns="0" tIns="12700" rIns="0" bIns="0" rtlCol="0">
+            <a:spAutoFit/>
+          </a:bodyPr>
+          <a:lstStyle/>
+          <a:p>
+            <a:pPr marL="12700">
+              <a:lnSpc>
+                <a:spcPct val="100000"/>
+              </a:lnSpc>
+              <a:spcBef>
+                <a:spcPts val="100"/>
+              </a:spcBef>
+            </a:pPr>
+            <a:r>
+              <a:rPr sz="4500" b="1" spc="70" dirty="0">
+                <a:solidFill>
+                  <a:srgbClr val="FFFFFF"/>
+                </a:solidFill>
+                <a:latin typeface="Arial" panose="020B0604020202020204"/>
+                <a:cs typeface="Arial" panose="020B0604020202020204"/>
+              </a:rPr>
+              <a:t>Overview</a:t>
+            </a:r>
+            <a:endParaRPr sz="4500">
+              <a:latin typeface="Arial" panose="020B0604020202020204"/>
+              <a:cs typeface="Arial" panose="020B0604020202020204"/>
+            </a:endParaRPr>
+          </a:p>
+        </p:txBody>
+      </p:sp>
+      <p:sp>
+        <p:nvSpPr>
+          <p:cNvPr id="6" name="Slide Number Placeholder 5"/>
+          <p:cNvSpPr>
+            <a:spLocks noGrp="1"/>
+          </p:cNvSpPr>
+          <p:nvPr>
+            <p:ph type="sldNum" sz="quarter" idx="7"/>
+          </p:nvPr>
+        </p:nvSpPr>
+        <p:spPr/>
+        <p:txBody>
+          <a:bodyPr/>
+          <a:lstStyle/>
+          <a:p>
+            <a:fld id="{B6F15528-21DE-4FAA-801E-634DDDAF4B2B}" type="slidenum">
+              <a:rPr lang="en-IN" smtClean="0"/>
+            </a:fld>
+            <a:endParaRPr lang="en-IN"/>
+          </a:p>
+        </p:txBody>
+      </p:sp>
+    </p:spTree>
+  </p:cSld>
+  <p:clrMapOvr>
+    <a:masterClrMapping/>
+  </p:clrMapOvr>
+</p:sld>
+</file>
+
+<file path=ppt/slides/slide8.xml><?xml version="1.0" encoding="utf-8"?>
+<p:sld xmlns:a="http://schemas.openxmlformats.org/drawingml/2006/main" xmlns:r="http://schemas.openxmlformats.org/officeDocument/2006/relationships" xmlns:p="http://schemas.openxmlformats.org/presentationml/2006/main">
+  <p:cSld>
+    <p:spTree>
+      <p:nvGrpSpPr>
+        <p:cNvPr id="1" name=""/>
+        <p:cNvGrpSpPr/>
+        <p:nvPr/>
+      </p:nvGrpSpPr>
+      <p:grpSpPr>
+        <a:xfrm>
+          <a:off x="0" y="0"/>
+          <a:ext cx="0" cy="0"/>
+          <a:chOff x="0" y="0"/>
+          <a:chExt cx="0" cy="0"/>
+        </a:xfrm>
+      </p:grpSpPr>
+      <p:pic>
+        <p:nvPicPr>
+          <p:cNvPr id="2" name="object 2"/>
+          <p:cNvPicPr/>
+          <p:nvPr/>
+        </p:nvPicPr>
+        <p:blipFill>
+          <a:blip r:embed="rId1" cstate="print"/>
+          <a:stretch>
+            <a:fillRect/>
+          </a:stretch>
+        </p:blipFill>
+        <p:spPr>
+          <a:xfrm>
+            <a:off x="0" y="0"/>
+            <a:ext cx="6991350" cy="10286999"/>
+          </a:xfrm>
+          <a:prstGeom prst="rect">
+            <a:avLst/>
+          </a:prstGeom>
+        </p:spPr>
+      </p:pic>
+      <p:sp>
+        <p:nvSpPr>
+          <p:cNvPr id="5" name="object 5"/>
+          <p:cNvSpPr txBox="1"/>
+          <p:nvPr/>
+        </p:nvSpPr>
+        <p:spPr>
+          <a:xfrm>
+            <a:off x="2155190" y="2975610"/>
+            <a:ext cx="3616325" cy="704850"/>
+          </a:xfrm>
+          <a:prstGeom prst="rect">
+            <a:avLst/>
+          </a:prstGeom>
+        </p:spPr>
+        <p:txBody>
+          <a:bodyPr vert="horz" wrap="square" lIns="0" tIns="12700" rIns="0" bIns="0" rtlCol="0">
+            <a:spAutoFit/>
+          </a:bodyPr>
+          <a:lstStyle/>
+          <a:p>
+            <a:pPr marL="12700">
+              <a:lnSpc>
+                <a:spcPct val="100000"/>
+              </a:lnSpc>
+              <a:spcBef>
+                <a:spcPts val="100"/>
+              </a:spcBef>
+            </a:pPr>
+            <a:r>
+              <a:rPr lang="en-US" sz="4500" b="1" spc="70" dirty="0">
+                <a:solidFill>
+                  <a:srgbClr val="FFFFFF"/>
+                </a:solidFill>
+                <a:latin typeface="Arial" panose="020B0604020202020204"/>
+                <a:cs typeface="Arial" panose="020B0604020202020204"/>
+              </a:rPr>
+              <a:t>Summary</a:t>
+            </a:r>
+            <a:endParaRPr lang="en-US" sz="4500" b="1" spc="70" dirty="0">
+              <a:solidFill>
+                <a:srgbClr val="FFFFFF"/>
+              </a:solidFill>
+              <a:latin typeface="Arial" panose="020B0604020202020204"/>
+              <a:cs typeface="Arial" panose="020B0604020202020204"/>
+            </a:endParaRPr>
+          </a:p>
+        </p:txBody>
+      </p:sp>
+      <p:sp>
+        <p:nvSpPr>
+          <p:cNvPr id="6" name="Slide Number Placeholder 5"/>
+          <p:cNvSpPr>
+            <a:spLocks noGrp="1"/>
+          </p:cNvSpPr>
+          <p:nvPr>
+            <p:ph type="sldNum" sz="quarter" idx="7"/>
+          </p:nvPr>
+        </p:nvSpPr>
+        <p:spPr/>
+        <p:txBody>
+          <a:bodyPr/>
+          <a:lstStyle/>
+          <a:p>
+            <a:fld id="{B6F15528-21DE-4FAA-801E-634DDDAF4B2B}" type="slidenum">
+              <a:rPr lang="en-IN" smtClean="0"/>
+            </a:fld>
+            <a:endParaRPr lang="en-IN"/>
+          </a:p>
+        </p:txBody>
+      </p:sp>
+      <p:pic>
+        <p:nvPicPr>
+          <p:cNvPr id="3" name="Picture 2"/>
+          <p:cNvPicPr>
+            <a:picLocks noChangeAspect="1"/>
+          </p:cNvPicPr>
+          <p:nvPr/>
+        </p:nvPicPr>
+        <p:blipFill>
+          <a:blip r:embed="rId2"/>
+          <a:stretch>
+            <a:fillRect/>
+          </a:stretch>
+        </p:blipFill>
+        <p:spPr>
+          <a:xfrm>
+            <a:off x="7543800" y="571500"/>
+            <a:ext cx="9134475" cy="7899400"/>
+          </a:xfrm>
+          <a:prstGeom prst="rect">
+            <a:avLst/>
+          </a:prstGeom>
+        </p:spPr>
+      </p:pic>
+    </p:spTree>
+  </p:cSld>
+  <p:clrMapOvr>
+    <a:masterClrMapping/>
+  </p:clrMapOvr>
+</p:sld>
+</file>
+
+<file path=ppt/slides/slide9.xml><?xml version="1.0" encoding="utf-8"?>
+<p:sld xmlns:a="http://schemas.openxmlformats.org/drawingml/2006/main" xmlns:r="http://schemas.openxmlformats.org/officeDocument/2006/relationships" xmlns:p="http://schemas.openxmlformats.org/presentationml/2006/main">
+  <p:cSld>
+    <p:spTree>
+      <p:nvGrpSpPr>
+        <p:cNvPr id="1" name=""/>
+        <p:cNvGrpSpPr/>
+        <p:nvPr/>
+      </p:nvGrpSpPr>
+      <p:grpSpPr/>
+      <p:sp>
+        <p:nvSpPr>
+          <p:cNvPr id="4" name="Slide Number Placeholder 3"/>
+          <p:cNvSpPr>
+            <a:spLocks noGrp="1"/>
+          </p:cNvSpPr>
+          <p:nvPr>
+            <p:ph type="sldNum" sz="quarter" idx="7"/>
+          </p:nvPr>
+        </p:nvSpPr>
+        <p:spPr>
+          <a:xfrm>
+            <a:off x="13167361" y="9566910"/>
+            <a:ext cx="4206240" cy="276860"/>
+          </a:xfrm>
+        </p:spPr>
+        <p:txBody>
+          <a:bodyPr/>
+          <a:p>
+            <a:fld id="{B6F15528-21DE-4FAA-801E-634DDDAF4B2B}" type="slidenum">
+              <a:rPr/>
+            </a:fld>
+            <a:endParaRPr/>
+          </a:p>
+        </p:txBody>
+      </p:sp>
+      <p:pic>
+        <p:nvPicPr>
+          <p:cNvPr id="5" name="Picture 4"/>
+          <p:cNvPicPr>
+            <a:picLocks noChangeAspect="1"/>
+          </p:cNvPicPr>
+          <p:nvPr/>
+        </p:nvPicPr>
+        <p:blipFill>
+          <a:blip r:embed="rId1"/>
+          <a:stretch>
+            <a:fillRect/>
+          </a:stretch>
+        </p:blipFill>
+        <p:spPr>
+          <a:xfrm>
+            <a:off x="0" y="-38100"/>
+            <a:ext cx="18332450" cy="9360535"/>
           </a:xfrm>
           <a:prstGeom prst="rect">
             <a:avLst/>
